--- a/documents/Final SURP 2015 poster.pptx
+++ b/documents/Final SURP 2015 poster.pptx
@@ -10,7 +10,7 @@
   <p:sldIdLst>
     <p:sldId id="256" r:id="rId2"/>
   </p:sldIdLst>
-  <p:sldSz cx="43891200" cy="32918400"/>
+  <p:sldSz cx="32918400" cy="43891200"/>
   <p:notesSz cx="6858000" cy="9144000"/>
   <p:defaultTextStyle>
     <a:defPPr>
@@ -210,8 +210,8 @@
         </p:nvSpPr>
         <p:spPr>
           <a:xfrm>
-            <a:off x="1143000" y="685800"/>
-            <a:ext cx="4572000" cy="3429000"/>
+            <a:off x="2143125" y="685800"/>
+            <a:ext cx="2571750" cy="3429000"/>
           </a:xfrm>
           <a:prstGeom prst="rect">
             <a:avLst/>
@@ -487,7 +487,12 @@
             <p:ph type="sldImg"/>
           </p:nvPr>
         </p:nvSpPr>
-        <p:spPr/>
+        <p:spPr>
+          <a:xfrm>
+            <a:off x="2143125" y="685800"/>
+            <a:ext cx="2571750" cy="3429000"/>
+          </a:xfrm>
+        </p:spPr>
       </p:sp>
       <p:sp>
         <p:nvSpPr>
@@ -576,8 +581,8 @@
         </p:nvSpPr>
         <p:spPr>
           <a:xfrm>
-            <a:off x="3291840" y="10226042"/>
-            <a:ext cx="37307520" cy="7056120"/>
+            <a:off x="2468880" y="13634723"/>
+            <a:ext cx="27980640" cy="9408160"/>
           </a:xfrm>
         </p:spPr>
         <p:txBody>
@@ -604,8 +609,8 @@
         </p:nvSpPr>
         <p:spPr>
           <a:xfrm>
-            <a:off x="6583680" y="18653760"/>
-            <a:ext cx="30723840" cy="8412480"/>
+            <a:off x="4937760" y="24871680"/>
+            <a:ext cx="23042880" cy="11216640"/>
           </a:xfrm>
         </p:spPr>
         <p:txBody>
@@ -988,8 +993,8 @@
         </p:nvSpPr>
         <p:spPr>
           <a:xfrm>
-            <a:off x="152742905" y="6324600"/>
-            <a:ext cx="47404018" cy="134820662"/>
+            <a:off x="114557179" y="8432800"/>
+            <a:ext cx="35553014" cy="179760883"/>
           </a:xfrm>
         </p:spPr>
         <p:txBody>
@@ -1016,8 +1021,8 @@
         </p:nvSpPr>
         <p:spPr>
           <a:xfrm>
-            <a:off x="10530843" y="6324600"/>
-            <a:ext cx="141480542" cy="134820662"/>
+            <a:off x="7898132" y="8432800"/>
+            <a:ext cx="106110407" cy="179760883"/>
           </a:xfrm>
         </p:spPr>
         <p:txBody>
@@ -1338,8 +1343,8 @@
         </p:nvSpPr>
         <p:spPr>
           <a:xfrm>
-            <a:off x="3467102" y="21153122"/>
-            <a:ext cx="37307520" cy="6537960"/>
+            <a:off x="2600326" y="28204163"/>
+            <a:ext cx="27980640" cy="8717280"/>
           </a:xfrm>
         </p:spPr>
         <p:txBody>
@@ -1370,8 +1375,8 @@
         </p:nvSpPr>
         <p:spPr>
           <a:xfrm>
-            <a:off x="3467102" y="13952225"/>
-            <a:ext cx="37307520" cy="7200898"/>
+            <a:off x="2600326" y="18602967"/>
+            <a:ext cx="27980640" cy="9601197"/>
           </a:xfrm>
         </p:spPr>
         <p:txBody>
@@ -1607,8 +1612,8 @@
         </p:nvSpPr>
         <p:spPr>
           <a:xfrm>
-            <a:off x="10530842" y="36865560"/>
-            <a:ext cx="94442280" cy="104279702"/>
+            <a:off x="7898132" y="49154080"/>
+            <a:ext cx="70831710" cy="139039603"/>
           </a:xfrm>
         </p:spPr>
         <p:txBody>
@@ -1692,8 +1697,8 @@
         </p:nvSpPr>
         <p:spPr>
           <a:xfrm>
-            <a:off x="105704642" y="36865560"/>
-            <a:ext cx="94442280" cy="104279702"/>
+            <a:off x="79278482" y="49154080"/>
+            <a:ext cx="70831710" cy="139039603"/>
           </a:xfrm>
         </p:spPr>
         <p:txBody>
@@ -1872,8 +1877,8 @@
         </p:nvSpPr>
         <p:spPr>
           <a:xfrm>
-            <a:off x="2194560" y="1318262"/>
-            <a:ext cx="39502080" cy="5486400"/>
+            <a:off x="1645920" y="1757683"/>
+            <a:ext cx="29626560" cy="7315200"/>
           </a:xfrm>
         </p:spPr>
         <p:txBody>
@@ -1904,8 +1909,8 @@
         </p:nvSpPr>
         <p:spPr>
           <a:xfrm>
-            <a:off x="2194560" y="7368542"/>
-            <a:ext cx="19392902" cy="3070858"/>
+            <a:off x="1645920" y="9824723"/>
+            <a:ext cx="14544677" cy="4094477"/>
           </a:xfrm>
         </p:spPr>
         <p:txBody>
@@ -1969,8 +1974,8 @@
         </p:nvSpPr>
         <p:spPr>
           <a:xfrm>
-            <a:off x="2194560" y="10439400"/>
-            <a:ext cx="19392902" cy="18966182"/>
+            <a:off x="1645920" y="13919200"/>
+            <a:ext cx="14544677" cy="25288243"/>
           </a:xfrm>
         </p:spPr>
         <p:txBody>
@@ -2054,8 +2059,8 @@
         </p:nvSpPr>
         <p:spPr>
           <a:xfrm>
-            <a:off x="22296122" y="7368542"/>
-            <a:ext cx="19400520" cy="3070858"/>
+            <a:off x="16722092" y="9824723"/>
+            <a:ext cx="14550390" cy="4094477"/>
           </a:xfrm>
         </p:spPr>
         <p:txBody>
@@ -2119,8 +2124,8 @@
         </p:nvSpPr>
         <p:spPr>
           <a:xfrm>
-            <a:off x="22296122" y="10439400"/>
-            <a:ext cx="19400520" cy="18966182"/>
+            <a:off x="16722092" y="13919200"/>
+            <a:ext cx="14550390" cy="25288243"/>
           </a:xfrm>
         </p:spPr>
         <p:txBody>
@@ -2512,8 +2517,8 @@
         </p:nvSpPr>
         <p:spPr>
           <a:xfrm>
-            <a:off x="2194563" y="1310640"/>
-            <a:ext cx="14439902" cy="5577840"/>
+            <a:off x="1645922" y="1747520"/>
+            <a:ext cx="10829927" cy="7437120"/>
           </a:xfrm>
         </p:spPr>
         <p:txBody>
@@ -2544,8 +2549,8 @@
         </p:nvSpPr>
         <p:spPr>
           <a:xfrm>
-            <a:off x="17160240" y="1310643"/>
-            <a:ext cx="24536400" cy="28094942"/>
+            <a:off x="12870180" y="1747524"/>
+            <a:ext cx="18402300" cy="37459923"/>
           </a:xfrm>
         </p:spPr>
         <p:txBody>
@@ -2629,8 +2634,8 @@
         </p:nvSpPr>
         <p:spPr>
           <a:xfrm>
-            <a:off x="2194563" y="6888483"/>
-            <a:ext cx="14439902" cy="22517102"/>
+            <a:off x="1645922" y="9184644"/>
+            <a:ext cx="10829927" cy="30022803"/>
           </a:xfrm>
         </p:spPr>
         <p:txBody>
@@ -2789,8 +2794,8 @@
         </p:nvSpPr>
         <p:spPr>
           <a:xfrm>
-            <a:off x="8602982" y="23042880"/>
-            <a:ext cx="26334720" cy="2720342"/>
+            <a:off x="6452237" y="30723840"/>
+            <a:ext cx="19751040" cy="3627123"/>
           </a:xfrm>
         </p:spPr>
         <p:txBody>
@@ -2821,8 +2826,8 @@
         </p:nvSpPr>
         <p:spPr>
           <a:xfrm>
-            <a:off x="8602982" y="2941320"/>
-            <a:ext cx="26334720" cy="19751040"/>
+            <a:off x="6452237" y="3921760"/>
+            <a:ext cx="19751040" cy="26334720"/>
           </a:xfrm>
         </p:spPr>
         <p:txBody>
@@ -2882,8 +2887,8 @@
         </p:nvSpPr>
         <p:spPr>
           <a:xfrm>
-            <a:off x="8602982" y="25763222"/>
-            <a:ext cx="26334720" cy="3863338"/>
+            <a:off x="6452237" y="34350963"/>
+            <a:ext cx="19751040" cy="5151117"/>
           </a:xfrm>
         </p:spPr>
         <p:txBody>
@@ -3047,8 +3052,8 @@
         </p:nvSpPr>
         <p:spPr>
           <a:xfrm>
-            <a:off x="2194560" y="1318262"/>
-            <a:ext cx="39502080" cy="5486400"/>
+            <a:off x="1645920" y="1757683"/>
+            <a:ext cx="29626560" cy="7315200"/>
           </a:xfrm>
           <a:prstGeom prst="rect">
             <a:avLst/>
@@ -3080,8 +3085,8 @@
         </p:nvSpPr>
         <p:spPr>
           <a:xfrm>
-            <a:off x="2194560" y="7680963"/>
-            <a:ext cx="39502080" cy="21724622"/>
+            <a:off x="1645920" y="10241284"/>
+            <a:ext cx="29626560" cy="28966163"/>
           </a:xfrm>
           <a:prstGeom prst="rect">
             <a:avLst/>
@@ -3142,8 +3147,8 @@
         </p:nvSpPr>
         <p:spPr>
           <a:xfrm>
-            <a:off x="2194560" y="30510482"/>
-            <a:ext cx="10241280" cy="1752600"/>
+            <a:off x="1645920" y="40680643"/>
+            <a:ext cx="7680960" cy="2336800"/>
           </a:xfrm>
           <a:prstGeom prst="rect">
             <a:avLst/>
@@ -3183,8 +3188,8 @@
         </p:nvSpPr>
         <p:spPr>
           <a:xfrm>
-            <a:off x="14996160" y="30510482"/>
-            <a:ext cx="13898880" cy="1752600"/>
+            <a:off x="11247120" y="40680643"/>
+            <a:ext cx="10424160" cy="2336800"/>
           </a:xfrm>
           <a:prstGeom prst="rect">
             <a:avLst/>
@@ -3220,8 +3225,8 @@
         </p:nvSpPr>
         <p:spPr>
           <a:xfrm>
-            <a:off x="31455360" y="30510482"/>
-            <a:ext cx="10241280" cy="1752600"/>
+            <a:off x="23591520" y="40680643"/>
+            <a:ext cx="7680960" cy="2336800"/>
           </a:xfrm>
           <a:prstGeom prst="rect">
             <a:avLst/>
@@ -3542,14 +3547,14 @@
       </p:grpSpPr>
       <p:sp>
         <p:nvSpPr>
-          <p:cNvPr id="192" name="Rounded Rectangle 191"/>
+          <p:cNvPr id="182" name="Rounded Rectangle 181"/>
           <p:cNvSpPr/>
           <p:nvPr/>
         </p:nvSpPr>
         <p:spPr>
           <a:xfrm>
-            <a:off x="15245081" y="2156563"/>
-            <a:ext cx="28416797" cy="12169588"/>
+            <a:off x="22077175" y="23936366"/>
+            <a:ext cx="10701840" cy="2649449"/>
           </a:xfrm>
           <a:prstGeom prst="roundRect">
             <a:avLst>
@@ -3587,20 +3592,58 @@
           <a:lstStyle/>
           <a:p>
             <a:pPr algn="ctr"/>
-            <a:endParaRPr lang="en-US" dirty="0"/>
-          </a:p>
-        </p:txBody>
-      </p:sp>
-      <p:sp>
-        <p:nvSpPr>
-          <p:cNvPr id="182" name="Rounded Rectangle 181"/>
+            <a:endParaRPr lang="en-US"/>
+          </a:p>
+        </p:txBody>
+      </p:sp>
+      <p:sp>
+        <p:nvSpPr>
+          <p:cNvPr id="132" name="Rounded Rectangle 131"/>
           <p:cNvSpPr/>
           <p:nvPr/>
         </p:nvSpPr>
         <p:spPr>
           <a:xfrm>
-            <a:off x="29493634" y="17952274"/>
-            <a:ext cx="14424391" cy="1987087"/>
+            <a:off x="127658" y="67732"/>
+            <a:ext cx="32651356" cy="3067707"/>
+          </a:xfrm>
+          <a:prstGeom prst="roundRect">
+            <a:avLst/>
+          </a:prstGeom>
+        </p:spPr>
+        <p:style>
+          <a:lnRef idx="1">
+            <a:schemeClr val="accent3"/>
+          </a:lnRef>
+          <a:fillRef idx="3">
+            <a:schemeClr val="accent3"/>
+          </a:fillRef>
+          <a:effectRef idx="2">
+            <a:schemeClr val="accent3"/>
+          </a:effectRef>
+          <a:fontRef idx="minor">
+            <a:schemeClr val="lt1"/>
+          </a:fontRef>
+        </p:style>
+        <p:txBody>
+          <a:bodyPr rtlCol="0" anchor="ctr"/>
+          <a:lstStyle/>
+          <a:p>
+            <a:pPr algn="ctr"/>
+            <a:endParaRPr lang="en-US"/>
+          </a:p>
+        </p:txBody>
+      </p:sp>
+      <p:sp>
+        <p:nvSpPr>
+          <p:cNvPr id="22" name="Rounded Rectangle 21"/>
+          <p:cNvSpPr/>
+          <p:nvPr/>
+        </p:nvSpPr>
+        <p:spPr>
+          <a:xfrm>
+            <a:off x="243683" y="18320913"/>
+            <a:ext cx="11052656" cy="25179427"/>
           </a:xfrm>
           <a:prstGeom prst="roundRect">
             <a:avLst>
@@ -3638,95 +3681,6 @@
           <a:lstStyle/>
           <a:p>
             <a:pPr algn="ctr"/>
-            <a:endParaRPr lang="en-US"/>
-          </a:p>
-        </p:txBody>
-      </p:sp>
-      <p:sp>
-        <p:nvSpPr>
-          <p:cNvPr id="132" name="Rounded Rectangle 131"/>
-          <p:cNvSpPr/>
-          <p:nvPr/>
-        </p:nvSpPr>
-        <p:spPr>
-          <a:xfrm>
-            <a:off x="170210" y="50799"/>
-            <a:ext cx="43535141" cy="1888203"/>
-          </a:xfrm>
-          <a:prstGeom prst="roundRect">
-            <a:avLst/>
-          </a:prstGeom>
-        </p:spPr>
-        <p:style>
-          <a:lnRef idx="1">
-            <a:schemeClr val="accent3"/>
-          </a:lnRef>
-          <a:fillRef idx="3">
-            <a:schemeClr val="accent3"/>
-          </a:fillRef>
-          <a:effectRef idx="2">
-            <a:schemeClr val="accent3"/>
-          </a:effectRef>
-          <a:fontRef idx="minor">
-            <a:schemeClr val="lt1"/>
-          </a:fontRef>
-        </p:style>
-        <p:txBody>
-          <a:bodyPr rtlCol="0" anchor="ctr"/>
-          <a:lstStyle/>
-          <a:p>
-            <a:pPr algn="ctr"/>
-            <a:endParaRPr lang="en-US"/>
-          </a:p>
-        </p:txBody>
-      </p:sp>
-      <p:sp>
-        <p:nvSpPr>
-          <p:cNvPr id="22" name="Rounded Rectangle 21"/>
-          <p:cNvSpPr/>
-          <p:nvPr/>
-        </p:nvSpPr>
-        <p:spPr>
-          <a:xfrm>
-            <a:off x="324124" y="9596156"/>
-            <a:ext cx="14736875" cy="23078582"/>
-          </a:xfrm>
-          <a:prstGeom prst="roundRect">
-            <a:avLst>
-              <a:gd name="adj" fmla="val 5112"/>
-            </a:avLst>
-          </a:prstGeom>
-          <a:solidFill>
-            <a:schemeClr val="accent3">
-              <a:lumMod val="40000"/>
-              <a:lumOff val="60000"/>
-            </a:schemeClr>
-          </a:solidFill>
-          <a:ln>
-            <a:solidFill>
-              <a:srgbClr val="008000"/>
-            </a:solidFill>
-          </a:ln>
-        </p:spPr>
-        <p:style>
-          <a:lnRef idx="1">
-            <a:schemeClr val="accent1"/>
-          </a:lnRef>
-          <a:fillRef idx="3">
-            <a:schemeClr val="accent1"/>
-          </a:fillRef>
-          <a:effectRef idx="2">
-            <a:schemeClr val="accent1"/>
-          </a:effectRef>
-          <a:fontRef idx="minor">
-            <a:schemeClr val="lt1"/>
-          </a:fontRef>
-        </p:style>
-        <p:txBody>
-          <a:bodyPr rtlCol="0" anchor="ctr"/>
-          <a:lstStyle/>
-          <a:p>
-            <a:pPr algn="ctr"/>
             <a:endParaRPr lang="en-US" dirty="0"/>
           </a:p>
         </p:txBody>
@@ -3739,8 +3693,8 @@
         </p:nvSpPr>
         <p:spPr>
           <a:xfrm>
-            <a:off x="324124" y="9536202"/>
-            <a:ext cx="14736875" cy="904341"/>
+            <a:off x="283368" y="18286589"/>
+            <a:ext cx="11052656" cy="773627"/>
           </a:xfrm>
           <a:prstGeom prst="roundRect">
             <a:avLst>
@@ -3783,8 +3737,8 @@
         </p:nvSpPr>
         <p:spPr>
           <a:xfrm>
-            <a:off x="2438724" y="-279400"/>
-            <a:ext cx="39583433" cy="1447800"/>
+            <a:off x="1829043" y="-372533"/>
+            <a:ext cx="29687575" cy="1930400"/>
           </a:xfrm>
         </p:spPr>
         <p:txBody>
@@ -3809,8 +3763,8 @@
         </p:nvSpPr>
         <p:spPr>
           <a:xfrm>
-            <a:off x="1553081" y="9677429"/>
-            <a:ext cx="12572091" cy="707886"/>
+            <a:off x="1205086" y="18271081"/>
+            <a:ext cx="9429068" cy="707886"/>
           </a:xfrm>
           <a:prstGeom prst="rect">
             <a:avLst/>
@@ -3855,8 +3809,8 @@
         </p:blipFill>
         <p:spPr bwMode="auto">
           <a:xfrm>
-            <a:off x="2580071" y="13873422"/>
-            <a:ext cx="10617976" cy="3955359"/>
+            <a:off x="1408906" y="22928608"/>
+            <a:ext cx="8741741" cy="4685189"/>
           </a:xfrm>
           <a:prstGeom prst="rect">
             <a:avLst/>
@@ -3895,20 +3849,20 @@
           <p:nvPr>
             <p:extLst>
               <p:ext uri="{D42A27DB-BD31-4B8C-83A1-F6EECF244321}">
-                <p14:modId xmlns:p14="http://schemas.microsoft.com/office/powerpoint/2010/main" val="2142831277"/>
+                <p14:modId xmlns:p14="http://schemas.microsoft.com/office/powerpoint/2010/main" val="2044585815"/>
               </p:ext>
             </p:extLst>
           </p:nvPr>
         </p:nvGraphicFramePr>
         <p:xfrm>
-          <a:off x="5653536" y="19063493"/>
-          <a:ext cx="3103563" cy="1119187"/>
+          <a:off x="2501928" y="29140459"/>
+          <a:ext cx="3121156" cy="1182766"/>
         </p:xfrm>
         <a:graphic>
           <a:graphicData uri="http://schemas.openxmlformats.org/presentationml/2006/ole">
             <mc:AlternateContent xmlns:mc="http://schemas.openxmlformats.org/markup-compatibility/2006">
               <mc:Choice xmlns:v="urn:schemas-microsoft-com:vml" Requires="v">
-                <p:oleObj spid="_x0000_s2310" name="Equation" r:id="rId5" imgW="1091880" imgH="393480" progId="Equation.3">
+                <p:oleObj spid="_x0000_s2329" name="Equation" r:id="rId5" imgW="1091880" imgH="393480" progId="Equation.3">
                   <p:embed/>
                 </p:oleObj>
               </mc:Choice>
@@ -3929,8 +3883,8 @@
                     </p:blipFill>
                     <p:spPr>
                       <a:xfrm>
-                        <a:off x="5653536" y="19063493"/>
-                        <a:ext cx="3103563" cy="1119187"/>
+                        <a:off x="2501928" y="29140459"/>
+                        <a:ext cx="3121156" cy="1182766"/>
                       </a:xfrm>
                       <a:prstGeom prst="rect">
                         <a:avLst/>
@@ -3952,20 +3906,20 @@
           <p:nvPr>
             <p:extLst>
               <p:ext uri="{D42A27DB-BD31-4B8C-83A1-F6EECF244321}">
-                <p14:modId xmlns:p14="http://schemas.microsoft.com/office/powerpoint/2010/main" val="2184054828"/>
+                <p14:modId xmlns:p14="http://schemas.microsoft.com/office/powerpoint/2010/main" val="1552629814"/>
               </p:ext>
             </p:extLst>
           </p:nvPr>
         </p:nvGraphicFramePr>
         <p:xfrm>
-          <a:off x="1292674" y="22370605"/>
-          <a:ext cx="4679950" cy="1662113"/>
+          <a:off x="869800" y="32489593"/>
+          <a:ext cx="3509963" cy="1289267"/>
         </p:xfrm>
         <a:graphic>
           <a:graphicData uri="http://schemas.openxmlformats.org/presentationml/2006/ole">
             <mc:AlternateContent xmlns:mc="http://schemas.openxmlformats.org/markup-compatibility/2006">
               <mc:Choice xmlns:v="urn:schemas-microsoft-com:vml" Requires="v">
-                <p:oleObj spid="_x0000_s2311" name="Equation" r:id="rId7" imgW="1930320" imgH="685800" progId="Equation.3">
+                <p:oleObj spid="_x0000_s2330" name="Equation" r:id="rId7" imgW="1930320" imgH="685800" progId="Equation.3">
                   <p:embed/>
                 </p:oleObj>
               </mc:Choice>
@@ -3989,8 +3943,8 @@
                     </p:blipFill>
                     <p:spPr bwMode="auto">
                       <a:xfrm>
-                        <a:off x="1292674" y="22370605"/>
-                        <a:ext cx="4679950" cy="1662113"/>
+                        <a:off x="869800" y="32489593"/>
+                        <a:ext cx="3509963" cy="1289267"/>
                       </a:xfrm>
                       <a:prstGeom prst="rect">
                         <a:avLst/>
@@ -4016,20 +3970,20 @@
           <p:nvPr>
             <p:extLst>
               <p:ext uri="{D42A27DB-BD31-4B8C-83A1-F6EECF244321}">
-                <p14:modId xmlns:p14="http://schemas.microsoft.com/office/powerpoint/2010/main" val="2860445686"/>
+                <p14:modId xmlns:p14="http://schemas.microsoft.com/office/powerpoint/2010/main" val="1465845282"/>
               </p:ext>
             </p:extLst>
           </p:nvPr>
         </p:nvGraphicFramePr>
         <p:xfrm>
-          <a:off x="7189851" y="22112908"/>
-          <a:ext cx="7294562" cy="1714500"/>
+          <a:off x="5382330" y="32541123"/>
+          <a:ext cx="5470922" cy="1394729"/>
         </p:xfrm>
         <a:graphic>
           <a:graphicData uri="http://schemas.openxmlformats.org/presentationml/2006/ole">
             <mc:AlternateContent xmlns:mc="http://schemas.openxmlformats.org/markup-compatibility/2006">
               <mc:Choice xmlns:v="urn:schemas-microsoft-com:vml" Requires="v">
-                <p:oleObj spid="_x0000_s2312" name="Equation" r:id="rId9" imgW="3136680" imgH="736560" progId="Equation.3">
+                <p:oleObj spid="_x0000_s2331" name="Equation" r:id="rId9" imgW="3136680" imgH="736560" progId="Equation.3">
                   <p:embed/>
                 </p:oleObj>
               </mc:Choice>
@@ -4053,8 +4007,8 @@
                     </p:blipFill>
                     <p:spPr bwMode="auto">
                       <a:xfrm>
-                        <a:off x="7189851" y="22112908"/>
-                        <a:ext cx="7294562" cy="1714500"/>
+                        <a:off x="5382330" y="32541123"/>
+                        <a:ext cx="5470922" cy="1394729"/>
                       </a:xfrm>
                       <a:prstGeom prst="rect">
                         <a:avLst/>
@@ -4079,8 +4033,8 @@
         </p:nvSpPr>
         <p:spPr>
           <a:xfrm>
-            <a:off x="3191341" y="24351121"/>
-            <a:ext cx="1933897" cy="477054"/>
+            <a:off x="1829043" y="33818549"/>
+            <a:ext cx="2028897" cy="477054"/>
           </a:xfrm>
           <a:prstGeom prst="rect">
             <a:avLst/>
@@ -4118,8 +4072,8 @@
         </p:nvSpPr>
         <p:spPr>
           <a:xfrm>
-            <a:off x="10449154" y="23978570"/>
-            <a:ext cx="1822309" cy="477054"/>
+            <a:off x="7618065" y="33899859"/>
+            <a:ext cx="2061670" cy="477054"/>
           </a:xfrm>
           <a:prstGeom prst="rect">
             <a:avLst/>
@@ -4150,46 +4104,6 @@
               <a:latin typeface="Times New Roman"/>
               <a:cs typeface="Times New Roman"/>
             </a:endParaRPr>
-          </a:p>
-        </p:txBody>
-      </p:sp>
-      <p:sp>
-        <p:nvSpPr>
-          <p:cNvPr id="41" name="Rounded Rectangle 40"/>
-          <p:cNvSpPr/>
-          <p:nvPr/>
-        </p:nvSpPr>
-        <p:spPr>
-          <a:xfrm>
-            <a:off x="15245081" y="2077481"/>
-            <a:ext cx="28416797" cy="765682"/>
-          </a:xfrm>
-          <a:prstGeom prst="roundRect">
-            <a:avLst>
-              <a:gd name="adj" fmla="val 50000"/>
-            </a:avLst>
-          </a:prstGeom>
-        </p:spPr>
-        <p:style>
-          <a:lnRef idx="0">
-            <a:schemeClr val="accent3"/>
-          </a:lnRef>
-          <a:fillRef idx="3">
-            <a:schemeClr val="accent3"/>
-          </a:fillRef>
-          <a:effectRef idx="3">
-            <a:schemeClr val="accent3"/>
-          </a:effectRef>
-          <a:fontRef idx="minor">
-            <a:schemeClr val="lt1"/>
-          </a:fontRef>
-        </p:style>
-        <p:txBody>
-          <a:bodyPr rtlCol="0" anchor="ctr"/>
-          <a:lstStyle/>
-          <a:p>
-            <a:pPr algn="ctr"/>
-            <a:endParaRPr lang="en-US"/>
           </a:p>
         </p:txBody>
       </p:sp>
@@ -4201,8 +4115,8 @@
         </p:nvGrpSpPr>
         <p:grpSpPr>
           <a:xfrm>
-            <a:off x="29710928" y="25914120"/>
-            <a:ext cx="13994423" cy="3318475"/>
+            <a:off x="22283197" y="34552161"/>
+            <a:ext cx="10495817" cy="4424633"/>
             <a:chOff x="29667455" y="23646804"/>
             <a:chExt cx="13994423" cy="3318475"/>
           </a:xfrm>
@@ -4307,7 +4221,7 @@
           <p:spPr>
             <a:xfrm>
               <a:off x="30757570" y="23646804"/>
-              <a:ext cx="11810146" cy="707886"/>
+              <a:ext cx="11810146" cy="530915"/>
             </a:xfrm>
             <a:prstGeom prst="rect">
               <a:avLst/>
@@ -4338,7 +4252,7 @@
           <p:spPr>
             <a:xfrm>
               <a:off x="30138418" y="24719304"/>
-              <a:ext cx="12986848" cy="1938992"/>
+              <a:ext cx="12986848" cy="1731243"/>
             </a:xfrm>
             <a:prstGeom prst="rect">
               <a:avLst/>
@@ -4437,8 +4351,8 @@
         </p:nvGrpSpPr>
         <p:grpSpPr>
           <a:xfrm>
-            <a:off x="29710928" y="29354782"/>
-            <a:ext cx="13994423" cy="3182617"/>
+            <a:off x="22283197" y="39139710"/>
+            <a:ext cx="10495817" cy="4243489"/>
             <a:chOff x="29710928" y="28440382"/>
             <a:chExt cx="13994423" cy="3182617"/>
           </a:xfrm>
@@ -4542,8 +4456,8 @@
           </p:nvSpPr>
           <p:spPr>
             <a:xfrm>
-              <a:off x="30757570" y="28542358"/>
-              <a:ext cx="11810146" cy="707886"/>
+              <a:off x="30757569" y="28542358"/>
+              <a:ext cx="11810146" cy="530915"/>
             </a:xfrm>
             <a:prstGeom prst="rect">
               <a:avLst/>
@@ -4574,7 +4488,7 @@
           <p:spPr>
             <a:xfrm>
               <a:off x="30138417" y="29538812"/>
-              <a:ext cx="12986848" cy="1569660"/>
+              <a:ext cx="12986848" cy="1731243"/>
             </a:xfrm>
             <a:prstGeom prst="rect">
               <a:avLst/>
@@ -4752,8 +4666,8 @@
         </p:nvSpPr>
         <p:spPr>
           <a:xfrm>
-            <a:off x="507119" y="10962733"/>
-            <a:ext cx="13618054" cy="2677656"/>
+            <a:off x="-80702" y="19674225"/>
+            <a:ext cx="11208366" cy="3046988"/>
           </a:xfrm>
           <a:prstGeom prst="rect">
             <a:avLst/>
@@ -4787,11 +4701,11 @@
               <a:t>network (GRN) </a:t>
             </a:r>
             <a:r>
-              <a:rPr lang="en-US" sz="2400" dirty="0"/>
+              <a:rPr lang="en-US" sz="2400" dirty="0" smtClean="0"/>
               <a:t>of </a:t>
             </a:r>
             <a:r>
-              <a:rPr lang="en-US" sz="2400" i="1" dirty="0"/>
+              <a:rPr lang="en-US" sz="2400" i="1" dirty="0" smtClean="0"/>
               <a:t>Saccharomyces </a:t>
             </a:r>
             <a:r>
@@ -4821,7 +4735,15 @@
             </a:pPr>
             <a:r>
               <a:rPr lang="en-US" sz="2400" dirty="0"/>
-              <a:t>The GRN consisted of 21 nodes which represent the genes and the transcription factors they encode.  The edges of the network represent the regulatory relationship, either activation or repression, which depends on the sign of the weight term in the model (Figure 1)</a:t>
+              <a:t>The GRN consisted of 21 nodes which represent the genes and </a:t>
+            </a:r>
+            <a:r>
+              <a:rPr lang="en-US" sz="2400" dirty="0" smtClean="0"/>
+              <a:t>the transcription </a:t>
+            </a:r>
+            <a:r>
+              <a:rPr lang="en-US" sz="2400" dirty="0"/>
+              <a:t>factors they encode.  The edges of the network represent the regulatory relationship, either activation or repression, which depends on the sign of the weight term in the model (Figure 1)</a:t>
             </a:r>
             <a:r>
               <a:rPr lang="en-US" sz="2400" dirty="0" smtClean="0"/>
@@ -4839,8 +4761,8 @@
         </p:nvSpPr>
         <p:spPr>
           <a:xfrm>
-            <a:off x="1024463" y="18363150"/>
-            <a:ext cx="13641798" cy="830997"/>
+            <a:off x="-80702" y="28095440"/>
+            <a:ext cx="10231349" cy="830997"/>
           </a:xfrm>
           <a:prstGeom prst="rect">
             <a:avLst/>
@@ -4909,8 +4831,8 @@
         </p:nvSpPr>
         <p:spPr>
           <a:xfrm>
-            <a:off x="1174625" y="21371403"/>
-            <a:ext cx="13267827" cy="830997"/>
+            <a:off x="374312" y="31175057"/>
+            <a:ext cx="10753351" cy="830997"/>
           </a:xfrm>
           <a:prstGeom prst="rect">
             <a:avLst/>
@@ -5007,8 +4929,8 @@
         </p:nvSpPr>
         <p:spPr>
           <a:xfrm>
-            <a:off x="8649632" y="17828781"/>
-            <a:ext cx="4891701" cy="492443"/>
+            <a:off x="3383766" y="27611122"/>
+            <a:ext cx="5741605" cy="492443"/>
           </a:xfrm>
           <a:prstGeom prst="rect">
             <a:avLst/>
@@ -5040,7 +4962,14 @@
                 <a:latin typeface="Times New Roman"/>
                 <a:cs typeface="Times New Roman"/>
               </a:rPr>
-              <a:t>ene regulatory network</a:t>
+              <a:t>ene </a:t>
+            </a:r>
+            <a:r>
+              <a:rPr lang="en-US" sz="2600" i="1" dirty="0" smtClean="0">
+                <a:latin typeface="Times New Roman"/>
+                <a:cs typeface="Times New Roman"/>
+              </a:rPr>
+              <a:t>regulatory network</a:t>
             </a:r>
             <a:endParaRPr lang="en-US" sz="2600" i="1" dirty="0">
               <a:latin typeface="Times New Roman"/>
@@ -5057,8 +4986,8 @@
         </p:nvSpPr>
         <p:spPr>
           <a:xfrm>
-            <a:off x="1768978" y="20250156"/>
-            <a:ext cx="12342911" cy="830997"/>
+            <a:off x="598712" y="30220066"/>
+            <a:ext cx="10802495" cy="830997"/>
           </a:xfrm>
           <a:prstGeom prst="rect">
             <a:avLst/>
@@ -5153,8 +5082,8 @@
         </p:nvSpPr>
         <p:spPr>
           <a:xfrm>
-            <a:off x="9208998" y="19382084"/>
-            <a:ext cx="4586916" cy="477054"/>
+            <a:off x="6074131" y="29533004"/>
+            <a:ext cx="3440187" cy="477054"/>
           </a:xfrm>
           <a:prstGeom prst="rect">
             <a:avLst/>
@@ -5196,8 +5125,8 @@
         </p:nvSpPr>
         <p:spPr>
           <a:xfrm>
-            <a:off x="1553082" y="24994107"/>
-            <a:ext cx="12889370" cy="1938992"/>
+            <a:off x="598713" y="34454359"/>
+            <a:ext cx="10568636" cy="2308324"/>
           </a:xfrm>
           <a:prstGeom prst="rect">
             <a:avLst/>
@@ -5362,8 +5291,8 @@
         </p:nvSpPr>
         <p:spPr>
           <a:xfrm>
-            <a:off x="1174625" y="27203144"/>
-            <a:ext cx="13267827" cy="1938992"/>
+            <a:off x="283367" y="37120306"/>
+            <a:ext cx="10883981" cy="2308324"/>
           </a:xfrm>
           <a:prstGeom prst="rect">
             <a:avLst/>
@@ -5376,7 +5305,7 @@
           </a:bodyPr>
           <a:lstStyle/>
           <a:p>
-            <a:pPr marL="342900" lvl="1" indent="-342900">
+            <a:pPr marL="342900" lvl="1" indent="-342900" algn="just">
               <a:buFont typeface="Arial"/>
               <a:buChar char="•"/>
             </a:pPr>
@@ -5424,8 +5353,8 @@
         </p:nvSpPr>
         <p:spPr>
           <a:xfrm>
-            <a:off x="1216586" y="29280957"/>
-            <a:ext cx="13267827" cy="1200328"/>
+            <a:off x="406895" y="39669707"/>
+            <a:ext cx="9950870" cy="1600437"/>
           </a:xfrm>
           <a:prstGeom prst="rect">
             <a:avLst/>
@@ -5458,8 +5387,8 @@
         </p:nvSpPr>
         <p:spPr>
           <a:xfrm>
-            <a:off x="1368986" y="30687650"/>
-            <a:ext cx="13267827" cy="1200329"/>
+            <a:off x="446580" y="41547217"/>
+            <a:ext cx="9950870" cy="1600439"/>
           </a:xfrm>
           <a:prstGeom prst="rect">
             <a:avLst/>
@@ -5496,10 +5425,10 @@
         </p:nvGrpSpPr>
         <p:grpSpPr>
           <a:xfrm>
-            <a:off x="15201609" y="14736975"/>
-            <a:ext cx="13994423" cy="17888280"/>
-            <a:chOff x="29710928" y="2082446"/>
-            <a:chExt cx="13994423" cy="17888280"/>
+            <a:off x="11559289" y="18320913"/>
+            <a:ext cx="10337734" cy="25179427"/>
+            <a:chOff x="29921705" y="2082446"/>
+            <a:chExt cx="13783646" cy="17888280"/>
           </a:xfrm>
         </p:grpSpPr>
         <p:sp>
@@ -5510,8 +5439,8 @@
           </p:nvSpPr>
           <p:spPr>
             <a:xfrm>
-              <a:off x="30757570" y="5162672"/>
-              <a:ext cx="11238687" cy="1415772"/>
+              <a:off x="30757569" y="5162672"/>
+              <a:ext cx="11238687" cy="1061829"/>
             </a:xfrm>
             <a:prstGeom prst="rect">
               <a:avLst/>
@@ -5541,8 +5470,8 @@
           </p:nvSpPr>
           <p:spPr>
             <a:xfrm>
-              <a:off x="29754401" y="2139479"/>
-              <a:ext cx="13950950" cy="17831247"/>
+              <a:off x="29921705" y="2139479"/>
+              <a:ext cx="13783646" cy="17831247"/>
             </a:xfrm>
             <a:prstGeom prst="roundRect">
               <a:avLst>
@@ -5592,8 +5521,8 @@
           </p:nvSpPr>
           <p:spPr>
             <a:xfrm>
-              <a:off x="29710928" y="2082446"/>
-              <a:ext cx="13994423" cy="908362"/>
+              <a:off x="29921705" y="2082446"/>
+              <a:ext cx="13783646" cy="636681"/>
             </a:xfrm>
             <a:prstGeom prst="roundRect">
               <a:avLst>
@@ -5632,8 +5561,8 @@
           </p:nvSpPr>
           <p:spPr>
             <a:xfrm>
-              <a:off x="30757570" y="2101140"/>
-              <a:ext cx="11810146" cy="707886"/>
+              <a:off x="30757569" y="2101140"/>
+              <a:ext cx="11810146" cy="530915"/>
             </a:xfrm>
             <a:prstGeom prst="rect">
               <a:avLst/>
@@ -5667,8 +5596,8 @@
           </p:nvSpPr>
           <p:spPr>
             <a:xfrm>
-              <a:off x="30138418" y="3339424"/>
-              <a:ext cx="13257186" cy="4893647"/>
+              <a:off x="30138417" y="3058465"/>
+              <a:ext cx="13257186" cy="3738991"/>
             </a:xfrm>
             <a:prstGeom prst="rect">
               <a:avLst/>
@@ -5681,18 +5610,31 @@
             </a:bodyPr>
             <a:lstStyle/>
             <a:p>
-              <a:pPr marL="342900" indent="-342900" algn="just">
-                <a:buFont typeface="Arial"/>
-                <a:buChar char="•"/>
-              </a:pPr>
+              <a:pPr algn="just"/>
               <a:r>
                 <a:rPr lang="en-US" sz="2400" dirty="0" err="1" smtClean="0"/>
                 <a:t>GRNmap</a:t>
               </a:r>
               <a:r>
+                <a:rPr lang="en-US" sz="2400" dirty="0"/>
+                <a:t> </a:t>
+              </a:r>
+              <a:r>
                 <a:rPr lang="en-US" sz="2400" dirty="0" smtClean="0"/>
-                <a:t> takes in its parameters directly from the spreadsheet. The spreadsheet (Figure 4) is expected to have the following information:</a:t>
-              </a:r>
+                <a:t>takes </a:t>
+              </a:r>
+              <a:r>
+                <a:rPr lang="en-US" sz="2400" dirty="0" smtClean="0"/>
+                <a:t>in its parameters directly from the spreadsheet. The spreadsheet (Figure 4) is expected to have the following information</a:t>
+              </a:r>
+              <a:r>
+                <a:rPr lang="en-US" sz="2400" dirty="0" smtClean="0"/>
+                <a:t>:</a:t>
+              </a:r>
+            </a:p>
+            <a:p>
+              <a:pPr algn="just"/>
+              <a:endParaRPr lang="en-US" sz="2400" dirty="0" smtClean="0"/>
             </a:p>
             <a:p>
               <a:pPr marL="1138238" lvl="1" indent="-342900" algn="just">
@@ -5802,12 +5744,8 @@
                 <a:t>Optimization parameters, including which model to use, whether or not to perform a forward simulation, whether or not to </a:t>
               </a:r>
               <a:r>
-                <a:rPr lang="en-US" sz="2400" dirty="0" err="1" smtClean="0"/>
-                <a:t>setcertain</a:t>
-              </a:r>
-              <a:r>
                 <a:rPr lang="en-US" sz="2400" dirty="0" smtClean="0"/>
-                <a:t> </a:t>
+                <a:t>set certain </a:t>
               </a:r>
               <a:r>
                 <a:rPr lang="en-US" sz="2400" dirty="0"/>
@@ -5854,7 +5792,7 @@
           <p:spPr>
             <a:xfrm>
               <a:off x="30138417" y="12652853"/>
-              <a:ext cx="13257186" cy="1569660"/>
+              <a:ext cx="13257186" cy="1454244"/>
             </a:xfrm>
             <a:prstGeom prst="rect">
               <a:avLst/>
@@ -5912,7 +5850,7 @@
           <p:spPr>
             <a:xfrm>
               <a:off x="30392277" y="11751612"/>
-              <a:ext cx="5949130" cy="553998"/>
+              <a:ext cx="5949129" cy="715580"/>
             </a:xfrm>
             <a:prstGeom prst="rect">
               <a:avLst/>
@@ -6006,7 +5944,7 @@
           <p:spPr>
             <a:xfrm>
               <a:off x="36951007" y="11947117"/>
-              <a:ext cx="6628936" cy="492443"/>
+              <a:ext cx="6628936" cy="669414"/>
             </a:xfrm>
             <a:prstGeom prst="rect">
               <a:avLst/>
@@ -6079,7 +6017,7 @@
           <p:spPr>
             <a:xfrm>
               <a:off x="34430877" y="18996157"/>
-              <a:ext cx="6920324" cy="553998"/>
+              <a:ext cx="6920324" cy="715580"/>
             </a:xfrm>
             <a:prstGeom prst="rect">
               <a:avLst/>
@@ -6143,10 +6081,10 @@
         </p:nvGrpSpPr>
         <p:grpSpPr>
           <a:xfrm>
-            <a:off x="29797874" y="20144029"/>
-            <a:ext cx="13994423" cy="5623003"/>
-            <a:chOff x="29685457" y="21267151"/>
-            <a:chExt cx="13994423" cy="5623003"/>
+            <a:off x="22152257" y="26808286"/>
+            <a:ext cx="10594161" cy="7547757"/>
+            <a:chOff x="29423917" y="21229336"/>
+            <a:chExt cx="14125545" cy="5660818"/>
           </a:xfrm>
         </p:grpSpPr>
         <p:sp>
@@ -6157,8 +6095,8 @@
           </p:nvSpPr>
           <p:spPr>
             <a:xfrm>
-              <a:off x="29710928" y="21424374"/>
-              <a:ext cx="13950950" cy="5465780"/>
+              <a:off x="29423917" y="21424374"/>
+              <a:ext cx="14125535" cy="5465780"/>
             </a:xfrm>
             <a:prstGeom prst="roundRect">
               <a:avLst>
@@ -6208,8 +6146,8 @@
           </p:nvSpPr>
           <p:spPr>
             <a:xfrm>
-              <a:off x="29685457" y="21267151"/>
-              <a:ext cx="13994423" cy="908362"/>
+              <a:off x="29423918" y="21267152"/>
+              <a:ext cx="14125544" cy="589965"/>
             </a:xfrm>
             <a:prstGeom prst="roundRect">
               <a:avLst>
@@ -6248,8 +6186,8 @@
           </p:nvSpPr>
           <p:spPr>
             <a:xfrm>
-              <a:off x="30714097" y="21326201"/>
-              <a:ext cx="11810146" cy="707886"/>
+              <a:off x="30570590" y="21229336"/>
+              <a:ext cx="11810146" cy="530915"/>
             </a:xfrm>
             <a:prstGeom prst="rect">
               <a:avLst/>
@@ -6280,7 +6218,7 @@
           <p:spPr>
             <a:xfrm>
               <a:off x="30094945" y="22161197"/>
-              <a:ext cx="12986848" cy="4585871"/>
+              <a:ext cx="12986848" cy="4270400"/>
             </a:xfrm>
             <a:prstGeom prst="rect">
               <a:avLst/>
@@ -6416,8 +6354,8 @@
         </p:nvSpPr>
         <p:spPr>
           <a:xfrm>
-            <a:off x="11531867" y="781094"/>
-            <a:ext cx="23876000" cy="646331"/>
+            <a:off x="8648900" y="1041459"/>
+            <a:ext cx="17907000" cy="646331"/>
           </a:xfrm>
           <a:prstGeom prst="rect">
             <a:avLst/>
@@ -6567,8 +6505,8 @@
         </p:nvSpPr>
         <p:spPr>
           <a:xfrm>
-            <a:off x="3495276" y="1254194"/>
-            <a:ext cx="36810069" cy="646331"/>
+            <a:off x="326771" y="1642561"/>
+            <a:ext cx="33841695" cy="1200329"/>
           </a:xfrm>
           <a:prstGeom prst="rect">
             <a:avLst/>
@@ -6614,9 +6552,17 @@
               <a:rPr lang="en-US" sz="3600" dirty="0" smtClean="0"/>
               <a:t>Mathematics, </a:t>
             </a:r>
+            <a:endParaRPr lang="en-US" sz="3600" dirty="0" smtClean="0"/>
+          </a:p>
+          <a:p>
+            <a:pPr algn="ctr"/>
+            <a:r>
+              <a:rPr lang="en-US" sz="3600" dirty="0" smtClean="0"/>
+              <a:t>Loyola </a:t>
+            </a:r>
             <a:r>
               <a:rPr lang="en-US" sz="3600" dirty="0"/>
-              <a:t>Loyola Marymount University, 1 LMU Drive, Los Angeles, CA 90045 USA. </a:t>
+              <a:t>Marymount University, 1 LMU Drive, Los Angeles, CA 90045 USA. </a:t>
             </a:r>
           </a:p>
         </p:txBody>
@@ -6629,8 +6575,8 @@
         </p:nvSpPr>
         <p:spPr>
           <a:xfrm>
-            <a:off x="29439348" y="17661877"/>
-            <a:ext cx="14569009" cy="908362"/>
+            <a:off x="22079512" y="23549170"/>
+            <a:ext cx="10666898" cy="740865"/>
           </a:xfrm>
           <a:prstGeom prst="roundRect">
             <a:avLst>
@@ -6669,8 +6615,8 @@
         </p:nvSpPr>
         <p:spPr>
           <a:xfrm>
-            <a:off x="30110239" y="17686612"/>
-            <a:ext cx="12572091" cy="707886"/>
+            <a:off x="22582680" y="23582149"/>
+            <a:ext cx="9429068" cy="707886"/>
           </a:xfrm>
           <a:prstGeom prst="rect">
             <a:avLst/>
@@ -6700,8 +6646,8 @@
         </p:nvSpPr>
         <p:spPr>
           <a:xfrm>
-            <a:off x="30032755" y="18660272"/>
-            <a:ext cx="13348099" cy="1200328"/>
+            <a:off x="22524567" y="24880363"/>
+            <a:ext cx="10011074" cy="1600437"/>
           </a:xfrm>
           <a:prstGeom prst="rect">
             <a:avLst/>
@@ -6750,8 +6696,8 @@
         </p:nvGrpSpPr>
         <p:grpSpPr>
           <a:xfrm>
-            <a:off x="323339" y="2220867"/>
-            <a:ext cx="14737660" cy="7065646"/>
+            <a:off x="-11017364" y="18581518"/>
+            <a:ext cx="11053245" cy="9420861"/>
             <a:chOff x="140328" y="2081858"/>
             <a:chExt cx="14737660" cy="7065646"/>
           </a:xfrm>
@@ -6856,7 +6802,7 @@
           <p:spPr>
             <a:xfrm>
               <a:off x="1370071" y="2156563"/>
-              <a:ext cx="12572091" cy="707886"/>
+              <a:ext cx="12572091" cy="530915"/>
             </a:xfrm>
             <a:prstGeom prst="rect">
               <a:avLst/>
@@ -6887,7 +6833,7 @@
           <p:spPr>
             <a:xfrm>
               <a:off x="300364" y="3026334"/>
-              <a:ext cx="14307458" cy="6001642"/>
+              <a:ext cx="14307459" cy="5609227"/>
             </a:xfrm>
             <a:prstGeom prst="rect">
               <a:avLst/>
@@ -6943,9 +6889,150 @@
           </p:txBody>
         </p:sp>
       </p:grpSp>
+      <p:grpSp>
+        <p:nvGrpSpPr>
+          <p:cNvPr id="15" name="Group 14"/>
+          <p:cNvGrpSpPr/>
+          <p:nvPr/>
+        </p:nvGrpSpPr>
+        <p:grpSpPr>
+          <a:xfrm>
+            <a:off x="200453" y="3349382"/>
+            <a:ext cx="32545956" cy="14669476"/>
+            <a:chOff x="200453" y="2769975"/>
+            <a:chExt cx="32545956" cy="14669476"/>
+          </a:xfrm>
+        </p:grpSpPr>
+        <p:sp>
+          <p:nvSpPr>
+            <p:cNvPr id="192" name="Rounded Rectangle 191"/>
+            <p:cNvSpPr/>
+            <p:nvPr/>
+          </p:nvSpPr>
+          <p:spPr>
+            <a:xfrm>
+              <a:off x="200453" y="2875418"/>
+              <a:ext cx="32545956" cy="14564033"/>
+            </a:xfrm>
+            <a:prstGeom prst="roundRect">
+              <a:avLst>
+                <a:gd name="adj" fmla="val 5112"/>
+              </a:avLst>
+            </a:prstGeom>
+            <a:solidFill>
+              <a:schemeClr val="accent3">
+                <a:lumMod val="40000"/>
+                <a:lumOff val="60000"/>
+              </a:schemeClr>
+            </a:solidFill>
+            <a:ln>
+              <a:solidFill>
+                <a:srgbClr val="008000"/>
+              </a:solidFill>
+            </a:ln>
+          </p:spPr>
+          <p:style>
+            <a:lnRef idx="1">
+              <a:schemeClr val="accent1"/>
+            </a:lnRef>
+            <a:fillRef idx="3">
+              <a:schemeClr val="accent1"/>
+            </a:fillRef>
+            <a:effectRef idx="2">
+              <a:schemeClr val="accent1"/>
+            </a:effectRef>
+            <a:fontRef idx="minor">
+              <a:schemeClr val="lt1"/>
+            </a:fontRef>
+          </p:style>
+          <p:txBody>
+            <a:bodyPr rtlCol="0" anchor="ctr"/>
+            <a:lstStyle/>
+            <a:p>
+              <a:pPr algn="ctr"/>
+              <a:endParaRPr lang="en-US" dirty="0"/>
+            </a:p>
+          </p:txBody>
+        </p:sp>
+        <p:sp>
+          <p:nvSpPr>
+            <p:cNvPr id="41" name="Rounded Rectangle 40"/>
+            <p:cNvSpPr/>
+            <p:nvPr/>
+          </p:nvSpPr>
+          <p:spPr>
+            <a:xfrm>
+              <a:off x="200454" y="2769975"/>
+              <a:ext cx="32545955" cy="1020909"/>
+            </a:xfrm>
+            <a:prstGeom prst="roundRect">
+              <a:avLst>
+                <a:gd name="adj" fmla="val 50000"/>
+              </a:avLst>
+            </a:prstGeom>
+          </p:spPr>
+          <p:style>
+            <a:lnRef idx="0">
+              <a:schemeClr val="accent3"/>
+            </a:lnRef>
+            <a:fillRef idx="3">
+              <a:schemeClr val="accent3"/>
+            </a:fillRef>
+            <a:effectRef idx="3">
+              <a:schemeClr val="accent3"/>
+            </a:effectRef>
+            <a:fontRef idx="minor">
+              <a:schemeClr val="lt1"/>
+            </a:fontRef>
+          </p:style>
+          <p:txBody>
+            <a:bodyPr rtlCol="0" anchor="ctr"/>
+            <a:lstStyle/>
+            <a:p>
+              <a:pPr algn="ctr"/>
+              <a:endParaRPr lang="en-US"/>
+            </a:p>
+          </p:txBody>
+        </p:sp>
+      </p:grpSp>
+      <p:sp>
+        <p:nvSpPr>
+          <p:cNvPr id="67" name="TextBox 66"/>
+          <p:cNvSpPr txBox="1"/>
+          <p:nvPr/>
+        </p:nvSpPr>
+        <p:spPr>
+          <a:xfrm>
+            <a:off x="11433812" y="3454825"/>
+            <a:ext cx="9429068" cy="707886"/>
+          </a:xfrm>
+          <a:prstGeom prst="rect">
+            <a:avLst/>
+          </a:prstGeom>
+          <a:noFill/>
+        </p:spPr>
+        <p:txBody>
+          <a:bodyPr wrap="square" rtlCol="0">
+            <a:spAutoFit/>
+          </a:bodyPr>
+          <a:lstStyle/>
+          <a:p>
+            <a:pPr algn="ctr"/>
+            <a:r>
+              <a:rPr lang="en-US" sz="4000" b="1" dirty="0" smtClean="0"/>
+              <a:t>Activity Diagram for </a:t>
+            </a:r>
+            <a:r>
+              <a:rPr lang="en-US" sz="4000" b="1" dirty="0" err="1" smtClean="0"/>
+              <a:t>GRNmap</a:t>
+            </a:r>
+            <a:endParaRPr lang="en-US" sz="4000" b="1" dirty="0"/>
+          </a:p>
+        </p:txBody>
+      </p:sp>
       <p:pic>
         <p:nvPicPr>
-          <p:cNvPr id="5" name="Picture 4" descr="Updated GRNmap State Diagram.pdf"/>
+          <p:cNvPr id="17" name="Picture 16" descr="Updated GRNmap State Diagram.pdf"/>
           <p:cNvPicPr>
             <a:picLocks noChangeAspect="1"/>
           </p:cNvPicPr>
@@ -6965,8 +7052,8 @@
         </p:blipFill>
         <p:spPr>
           <a:xfrm>
-            <a:off x="15201609" y="3571396"/>
-            <a:ext cx="28288928" cy="10068993"/>
+            <a:off x="-115624" y="4869251"/>
+            <a:ext cx="33088823" cy="12598241"/>
           </a:xfrm>
           <a:prstGeom prst="rect">
             <a:avLst/>

--- a/documents/Final SURP 2015 poster.pptx
+++ b/documents/Final SURP 2015 poster.pptx
@@ -3553,8 +3553,8 @@
         </p:nvSpPr>
         <p:spPr>
           <a:xfrm>
-            <a:off x="22077175" y="23936366"/>
-            <a:ext cx="10701840" cy="2649449"/>
+            <a:off x="22130914" y="18675130"/>
+            <a:ext cx="10701840" cy="7957442"/>
           </a:xfrm>
           <a:prstGeom prst="roundRect">
             <a:avLst>
@@ -3862,7 +3862,7 @@
           <a:graphicData uri="http://schemas.openxmlformats.org/presentationml/2006/ole">
             <mc:AlternateContent xmlns:mc="http://schemas.openxmlformats.org/markup-compatibility/2006">
               <mc:Choice xmlns:v="urn:schemas-microsoft-com:vml" Requires="v">
-                <p:oleObj spid="_x0000_s2329" name="Equation" r:id="rId5" imgW="1091880" imgH="393480" progId="Equation.3">
+                <p:oleObj spid="_x0000_s2335" name="Equation" r:id="rId5" imgW="1091880" imgH="393480" progId="Equation.3">
                   <p:embed/>
                 </p:oleObj>
               </mc:Choice>
@@ -3919,7 +3919,7 @@
           <a:graphicData uri="http://schemas.openxmlformats.org/presentationml/2006/ole">
             <mc:AlternateContent xmlns:mc="http://schemas.openxmlformats.org/markup-compatibility/2006">
               <mc:Choice xmlns:v="urn:schemas-microsoft-com:vml" Requires="v">
-                <p:oleObj spid="_x0000_s2330" name="Equation" r:id="rId7" imgW="1930320" imgH="685800" progId="Equation.3">
+                <p:oleObj spid="_x0000_s2336" name="Equation" r:id="rId7" imgW="1930320" imgH="685800" progId="Equation.3">
                   <p:embed/>
                 </p:oleObj>
               </mc:Choice>
@@ -3983,7 +3983,7 @@
           <a:graphicData uri="http://schemas.openxmlformats.org/presentationml/2006/ole">
             <mc:AlternateContent xmlns:mc="http://schemas.openxmlformats.org/markup-compatibility/2006">
               <mc:Choice xmlns:v="urn:schemas-microsoft-com:vml" Requires="v">
-                <p:oleObj spid="_x0000_s2331" name="Equation" r:id="rId9" imgW="3136680" imgH="736560" progId="Equation.3">
+                <p:oleObj spid="_x0000_s2337" name="Equation" r:id="rId9" imgW="3136680" imgH="736560" progId="Equation.3">
                   <p:embed/>
                 </p:oleObj>
               </mc:Choice>
@@ -5775,7 +5775,7 @@
           </p:blipFill>
           <p:spPr>
             <a:xfrm>
-              <a:off x="30432876" y="8589614"/>
+              <a:off x="30432876" y="7045378"/>
               <a:ext cx="5908531" cy="3002500"/>
             </a:xfrm>
             <a:prstGeom prst="rect">
@@ -5791,7 +5791,7 @@
           </p:nvSpPr>
           <p:spPr>
             <a:xfrm>
-              <a:off x="30138417" y="12652853"/>
+              <a:off x="30138417" y="11432371"/>
               <a:ext cx="13257186" cy="1454244"/>
             </a:xfrm>
             <a:prstGeom prst="rect">
@@ -5849,8 +5849,8 @@
           </p:nvSpPr>
           <p:spPr>
             <a:xfrm>
-              <a:off x="30392277" y="11751612"/>
-              <a:ext cx="5949129" cy="715580"/>
+              <a:off x="30392277" y="10331152"/>
+              <a:ext cx="5949130" cy="715580"/>
             </a:xfrm>
             <a:prstGeom prst="rect">
               <a:avLst/>
@@ -5927,8 +5927,8 @@
           </p:blipFill>
           <p:spPr>
             <a:xfrm>
-              <a:off x="36951007" y="8239115"/>
-              <a:ext cx="6477461" cy="3646521"/>
+              <a:off x="36646207" y="7042421"/>
+              <a:ext cx="6477462" cy="3646521"/>
             </a:xfrm>
             <a:prstGeom prst="rect">
               <a:avLst/>
@@ -5943,7 +5943,7 @@
           </p:nvSpPr>
           <p:spPr>
             <a:xfrm>
-              <a:off x="36951007" y="11947117"/>
+              <a:off x="36646207" y="10791649"/>
               <a:ext cx="6628936" cy="669414"/>
             </a:xfrm>
             <a:prstGeom prst="rect">
@@ -6000,8 +6000,8 @@
           </p:blipFill>
           <p:spPr>
             <a:xfrm>
-              <a:off x="34771832" y="14495582"/>
-              <a:ext cx="6144812" cy="4608609"/>
+              <a:off x="33508520" y="13138499"/>
+              <a:ext cx="7103324" cy="4209598"/>
             </a:xfrm>
             <a:prstGeom prst="rect">
               <a:avLst/>
@@ -6016,7 +6016,7 @@
           </p:nvSpPr>
           <p:spPr>
             <a:xfrm>
-              <a:off x="34430877" y="18996157"/>
+              <a:off x="33186044" y="17472295"/>
               <a:ext cx="6920324" cy="715580"/>
             </a:xfrm>
             <a:prstGeom prst="rect">
@@ -6575,7 +6575,7 @@
         </p:nvSpPr>
         <p:spPr>
           <a:xfrm>
-            <a:off x="22079512" y="23549170"/>
+            <a:off x="22133251" y="18287934"/>
             <a:ext cx="10666898" cy="740865"/>
           </a:xfrm>
           <a:prstGeom prst="roundRect">
@@ -6615,7 +6615,7 @@
         </p:nvSpPr>
         <p:spPr>
           <a:xfrm>
-            <a:off x="22582680" y="23582149"/>
+            <a:off x="22636419" y="18320913"/>
             <a:ext cx="9429068" cy="707886"/>
           </a:xfrm>
           <a:prstGeom prst="rect">
@@ -6632,7 +6632,7 @@
             <a:pPr algn="ctr"/>
             <a:r>
               <a:rPr lang="en-US" sz="4000" b="1" dirty="0" smtClean="0"/>
-              <a:t>Availability</a:t>
+              <a:t>Unit Testing</a:t>
             </a:r>
             <a:endParaRPr lang="en-US" sz="4000" b="1" dirty="0"/>
           </a:p>
@@ -6646,8 +6646,8 @@
         </p:nvSpPr>
         <p:spPr>
           <a:xfrm>
-            <a:off x="22524567" y="24880363"/>
-            <a:ext cx="10011074" cy="1600437"/>
+            <a:off x="22524567" y="19256264"/>
+            <a:ext cx="10011074" cy="6463307"/>
           </a:xfrm>
           <a:prstGeom prst="rect">
             <a:avLst/>
@@ -6660,30 +6660,274 @@
           </a:bodyPr>
           <a:lstStyle/>
           <a:p>
-            <a:pPr marL="342900" indent="-342900">
-              <a:buFont typeface="Arial"/>
-              <a:buChar char="•"/>
-            </a:pPr>
+            <a:r>
+              <a:rPr lang="en-US" sz="2400" dirty="0"/>
+              <a:t>In order to efficiently and effectively maintain the MATLAB package, a unit testing framework is created. Unit testing, a method for checking whether individual units of a software program function as intended, ensures that every change we make to the code does not affect its functionality. </a:t>
+            </a:r>
             <a:r>
               <a:rPr lang="en-US" sz="2400" dirty="0" smtClean="0"/>
-              <a:t>In </a:t>
+              <a:t>Unit testing allows </a:t>
             </a:r>
             <a:r>
               <a:rPr lang="en-US" sz="2400" dirty="0"/>
-              <a:t>addition to refactoring the code, we used the MATLAB compiler to compile </a:t>
-            </a:r>
-            <a:r>
-              <a:rPr lang="en-US" sz="2400" dirty="0" err="1"/>
-              <a:t>GRNmap</a:t>
-            </a:r>
-            <a:r>
-              <a:rPr lang="en-US" sz="2400" dirty="0"/>
-              <a:t> into an executable file, which can run on any Windows machine without the use of a MATLAB license. The executable requires the free MATLAB Compiler Runtime (MRC) library</a:t>
+              <a:t>for better means of pinpointing specific problems in the program by breaking up its operations into smaller parts and then inputting values to which we know the answer</a:t>
             </a:r>
             <a:r>
               <a:rPr lang="en-US" sz="2400" dirty="0" smtClean="0"/>
               <a:t>.</a:t>
             </a:r>
+          </a:p>
+          <a:p>
+            <a:endParaRPr lang="en-US" sz="2400" dirty="0" smtClean="0"/>
+          </a:p>
+          <a:p>
+            <a:r>
+              <a:rPr lang="en-US" sz="2200" dirty="0">
+                <a:latin typeface="Consolas"/>
+                <a:cs typeface="Consolas"/>
+              </a:rPr>
+              <a:t>DEFINE main function</a:t>
+            </a:r>
+          </a:p>
+          <a:p>
+            <a:r>
+              <a:rPr lang="en-US" sz="2200" dirty="0">
+                <a:latin typeface="Consolas"/>
+                <a:cs typeface="Consolas"/>
+              </a:rPr>
+              <a:t> </a:t>
+            </a:r>
+            <a:r>
+              <a:rPr lang="en-US" sz="2200" dirty="0" smtClean="0">
+                <a:latin typeface="Consolas"/>
+                <a:cs typeface="Consolas"/>
+              </a:rPr>
+              <a:t>   CALL </a:t>
+            </a:r>
+            <a:r>
+              <a:rPr lang="en-US" sz="2200" dirty="0" err="1">
+                <a:latin typeface="Consolas"/>
+                <a:cs typeface="Consolas"/>
+              </a:rPr>
+              <a:t>functiontests</a:t>
+            </a:r>
+            <a:r>
+              <a:rPr lang="en-US" sz="2200" dirty="0">
+                <a:latin typeface="Consolas"/>
+                <a:cs typeface="Consolas"/>
+              </a:rPr>
+              <a:t> (</a:t>
+            </a:r>
+            <a:r>
+              <a:rPr lang="en-US" sz="2200" dirty="0" err="1">
+                <a:latin typeface="Consolas"/>
+                <a:cs typeface="Consolas"/>
+              </a:rPr>
+              <a:t>localfunctions</a:t>
+            </a:r>
+            <a:r>
+              <a:rPr lang="en-US" sz="2200" dirty="0">
+                <a:latin typeface="Consolas"/>
+                <a:cs typeface="Consolas"/>
+              </a:rPr>
+              <a:t>) to make a tests array</a:t>
+            </a:r>
+          </a:p>
+          <a:p>
+            <a:r>
+              <a:rPr lang="en-US" sz="2200" dirty="0">
+                <a:latin typeface="Consolas"/>
+                <a:cs typeface="Consolas"/>
+              </a:rPr>
+              <a:t>END</a:t>
+            </a:r>
+          </a:p>
+          <a:p>
+            <a:r>
+              <a:rPr lang="en-US" sz="2200" dirty="0">
+                <a:latin typeface="Consolas"/>
+                <a:cs typeface="Consolas"/>
+              </a:rPr>
+              <a:t> </a:t>
+            </a:r>
+          </a:p>
+          <a:p>
+            <a:r>
+              <a:rPr lang="en-US" sz="2200" dirty="0">
+                <a:latin typeface="Consolas"/>
+                <a:cs typeface="Consolas"/>
+              </a:rPr>
+              <a:t>DEFINE function </a:t>
+            </a:r>
+            <a:r>
+              <a:rPr lang="en-US" sz="2200" dirty="0" err="1">
+                <a:latin typeface="Consolas"/>
+                <a:cs typeface="Consolas"/>
+              </a:rPr>
+              <a:t>firstTest</a:t>
+            </a:r>
+            <a:r>
+              <a:rPr lang="en-US" sz="2200" dirty="0">
+                <a:latin typeface="Consolas"/>
+                <a:cs typeface="Consolas"/>
+              </a:rPr>
+              <a:t> (</a:t>
+            </a:r>
+            <a:r>
+              <a:rPr lang="en-US" sz="2200" dirty="0" err="1">
+                <a:latin typeface="Consolas"/>
+                <a:cs typeface="Consolas"/>
+              </a:rPr>
+              <a:t>testCase</a:t>
+            </a:r>
+            <a:r>
+              <a:rPr lang="en-US" sz="2200" dirty="0">
+                <a:latin typeface="Consolas"/>
+                <a:cs typeface="Consolas"/>
+              </a:rPr>
+              <a:t>)</a:t>
+            </a:r>
+          </a:p>
+          <a:p>
+            <a:r>
+              <a:rPr lang="en-US" sz="2200" dirty="0" smtClean="0">
+                <a:latin typeface="Consolas"/>
+                <a:cs typeface="Consolas"/>
+              </a:rPr>
+              <a:t>    </a:t>
+            </a:r>
+            <a:r>
+              <a:rPr lang="en-US" sz="2200" dirty="0" err="1" smtClean="0">
+                <a:latin typeface="Consolas"/>
+                <a:cs typeface="Consolas"/>
+              </a:rPr>
+              <a:t>actualOutput</a:t>
+            </a:r>
+            <a:r>
+              <a:rPr lang="en-US" sz="2200" dirty="0" smtClean="0">
+                <a:latin typeface="Consolas"/>
+                <a:cs typeface="Consolas"/>
+              </a:rPr>
+              <a:t> </a:t>
+            </a:r>
+            <a:r>
+              <a:rPr lang="en-US" sz="2200" dirty="0">
+                <a:latin typeface="Consolas"/>
+                <a:cs typeface="Consolas"/>
+              </a:rPr>
+              <a:t>= evaluate function by using known </a:t>
+            </a:r>
+            <a:r>
+              <a:rPr lang="en-US" sz="2200" dirty="0" smtClean="0">
+                <a:latin typeface="Consolas"/>
+                <a:cs typeface="Consolas"/>
+              </a:rPr>
+              <a:t>inputs</a:t>
+            </a:r>
+            <a:endParaRPr lang="en-US" sz="2200" dirty="0">
+              <a:latin typeface="Consolas"/>
+              <a:cs typeface="Consolas"/>
+            </a:endParaRPr>
+          </a:p>
+          <a:p>
+            <a:r>
+              <a:rPr lang="en-US" sz="2200" dirty="0">
+                <a:latin typeface="Consolas"/>
+                <a:cs typeface="Consolas"/>
+              </a:rPr>
+              <a:t> </a:t>
+            </a:r>
+            <a:r>
+              <a:rPr lang="en-US" sz="2200" dirty="0" smtClean="0">
+                <a:latin typeface="Consolas"/>
+                <a:cs typeface="Consolas"/>
+              </a:rPr>
+              <a:t>   </a:t>
+            </a:r>
+            <a:r>
+              <a:rPr lang="en-US" sz="2200" dirty="0" err="1" smtClean="0">
+                <a:latin typeface="Consolas"/>
+                <a:cs typeface="Consolas"/>
+              </a:rPr>
+              <a:t>expectedOutput</a:t>
+            </a:r>
+            <a:r>
+              <a:rPr lang="en-US" sz="2200" dirty="0" smtClean="0">
+                <a:latin typeface="Consolas"/>
+                <a:cs typeface="Consolas"/>
+              </a:rPr>
+              <a:t> </a:t>
+            </a:r>
+            <a:r>
+              <a:rPr lang="en-US" sz="2200" dirty="0">
+                <a:latin typeface="Consolas"/>
+                <a:cs typeface="Consolas"/>
+              </a:rPr>
+              <a:t>= assign </a:t>
+            </a:r>
+            <a:r>
+              <a:rPr lang="en-US" sz="2200" dirty="0" smtClean="0">
+                <a:latin typeface="Consolas"/>
+                <a:cs typeface="Consolas"/>
+              </a:rPr>
+              <a:t>expected results</a:t>
+            </a:r>
+            <a:endParaRPr lang="en-US" sz="2200" dirty="0">
+              <a:latin typeface="Consolas"/>
+              <a:cs typeface="Consolas"/>
+            </a:endParaRPr>
+          </a:p>
+          <a:p>
+            <a:r>
+              <a:rPr lang="en-US" sz="2200" dirty="0">
+                <a:latin typeface="Consolas"/>
+                <a:cs typeface="Consolas"/>
+              </a:rPr>
+              <a:t> </a:t>
+            </a:r>
+            <a:r>
+              <a:rPr lang="en-US" sz="2200" dirty="0" smtClean="0">
+                <a:latin typeface="Consolas"/>
+                <a:cs typeface="Consolas"/>
+              </a:rPr>
+              <a:t>   VERIFY </a:t>
+            </a:r>
+            <a:r>
+              <a:rPr lang="en-US" sz="2200" dirty="0" err="1">
+                <a:latin typeface="Consolas"/>
+                <a:cs typeface="Consolas"/>
+              </a:rPr>
+              <a:t>actualOutput</a:t>
+            </a:r>
+            <a:r>
+              <a:rPr lang="en-US" sz="2200" dirty="0">
+                <a:latin typeface="Consolas"/>
+                <a:cs typeface="Consolas"/>
+              </a:rPr>
+              <a:t> equals </a:t>
+            </a:r>
+            <a:r>
+              <a:rPr lang="en-US" sz="2200" dirty="0" err="1">
+                <a:latin typeface="Consolas"/>
+                <a:cs typeface="Consolas"/>
+              </a:rPr>
+              <a:t>expectedOutput</a:t>
+            </a:r>
+            <a:endParaRPr lang="en-US" sz="2200" dirty="0">
+              <a:latin typeface="Consolas"/>
+              <a:cs typeface="Consolas"/>
+            </a:endParaRPr>
+          </a:p>
+          <a:p>
+            <a:r>
+              <a:rPr lang="en-US" sz="2200" dirty="0">
+                <a:latin typeface="Consolas"/>
+                <a:cs typeface="Consolas"/>
+              </a:rPr>
+              <a:t>END</a:t>
+            </a:r>
+          </a:p>
+          <a:p>
             <a:endParaRPr lang="en-US" sz="2400" dirty="0"/>
           </a:p>
         </p:txBody>
@@ -6696,7 +6940,7 @@
         </p:nvGrpSpPr>
         <p:grpSpPr>
           <a:xfrm>
-            <a:off x="-11017364" y="18581518"/>
+            <a:off x="-15027727" y="17894302"/>
             <a:ext cx="11053245" cy="9420861"/>
             <a:chOff x="140328" y="2081858"/>
             <a:chExt cx="14737660" cy="7065646"/>

--- a/documents/Final SURP 2015 poster.pptx
+++ b/documents/Final SURP 2015 poster.pptx
@@ -192,7 +192,7 @@
           <a:p>
             <a:fld id="{7E45BB78-8367-47C1-BF99-0979F8062E9C}" type="datetimeFigureOut">
               <a:rPr lang="en-US" smtClean="0"/>
-              <a:t>3/12/15</a:t>
+              <a:t>3/17/15</a:t>
             </a:fld>
             <a:endParaRPr lang="en-US"/>
           </a:p>
@@ -733,7 +733,7 @@
           <a:p>
             <a:fld id="{97F6B31B-AD68-2949-9F89-D2E164A9E897}" type="datetimeFigureOut">
               <a:rPr lang="en-US" smtClean="0"/>
-              <a:t>3/12/15</a:t>
+              <a:t>3/17/15</a:t>
             </a:fld>
             <a:endParaRPr lang="en-US"/>
           </a:p>
@@ -903,7 +903,7 @@
           <a:p>
             <a:fld id="{97F6B31B-AD68-2949-9F89-D2E164A9E897}" type="datetimeFigureOut">
               <a:rPr lang="en-US" smtClean="0"/>
-              <a:t>3/12/15</a:t>
+              <a:t>3/17/15</a:t>
             </a:fld>
             <a:endParaRPr lang="en-US"/>
           </a:p>
@@ -1083,7 +1083,7 @@
           <a:p>
             <a:fld id="{97F6B31B-AD68-2949-9F89-D2E164A9E897}" type="datetimeFigureOut">
               <a:rPr lang="en-US" smtClean="0"/>
-              <a:t>3/12/15</a:t>
+              <a:t>3/17/15</a:t>
             </a:fld>
             <a:endParaRPr lang="en-US"/>
           </a:p>
@@ -1253,7 +1253,7 @@
           <a:p>
             <a:fld id="{97F6B31B-AD68-2949-9F89-D2E164A9E897}" type="datetimeFigureOut">
               <a:rPr lang="en-US" smtClean="0"/>
-              <a:t>3/12/15</a:t>
+              <a:t>3/17/15</a:t>
             </a:fld>
             <a:endParaRPr lang="en-US"/>
           </a:p>
@@ -1499,7 +1499,7 @@
           <a:p>
             <a:fld id="{97F6B31B-AD68-2949-9F89-D2E164A9E897}" type="datetimeFigureOut">
               <a:rPr lang="en-US" smtClean="0"/>
-              <a:t>3/12/15</a:t>
+              <a:t>3/17/15</a:t>
             </a:fld>
             <a:endParaRPr lang="en-US"/>
           </a:p>
@@ -1787,7 +1787,7 @@
           <a:p>
             <a:fld id="{97F6B31B-AD68-2949-9F89-D2E164A9E897}" type="datetimeFigureOut">
               <a:rPr lang="en-US" smtClean="0"/>
-              <a:t>3/12/15</a:t>
+              <a:t>3/17/15</a:t>
             </a:fld>
             <a:endParaRPr lang="en-US"/>
           </a:p>
@@ -2214,7 +2214,7 @@
           <a:p>
             <a:fld id="{97F6B31B-AD68-2949-9F89-D2E164A9E897}" type="datetimeFigureOut">
               <a:rPr lang="en-US" smtClean="0"/>
-              <a:t>3/12/15</a:t>
+              <a:t>3/17/15</a:t>
             </a:fld>
             <a:endParaRPr lang="en-US"/>
           </a:p>
@@ -2332,7 +2332,7 @@
           <a:p>
             <a:fld id="{97F6B31B-AD68-2949-9F89-D2E164A9E897}" type="datetimeFigureOut">
               <a:rPr lang="en-US" smtClean="0"/>
-              <a:t>3/12/15</a:t>
+              <a:t>3/17/15</a:t>
             </a:fld>
             <a:endParaRPr lang="en-US"/>
           </a:p>
@@ -2427,7 +2427,7 @@
           <a:p>
             <a:fld id="{97F6B31B-AD68-2949-9F89-D2E164A9E897}" type="datetimeFigureOut">
               <a:rPr lang="en-US" smtClean="0"/>
-              <a:t>3/12/15</a:t>
+              <a:t>3/17/15</a:t>
             </a:fld>
             <a:endParaRPr lang="en-US"/>
           </a:p>
@@ -2704,7 +2704,7 @@
           <a:p>
             <a:fld id="{97F6B31B-AD68-2949-9F89-D2E164A9E897}" type="datetimeFigureOut">
               <a:rPr lang="en-US" smtClean="0"/>
-              <a:t>3/12/15</a:t>
+              <a:t>3/17/15</a:t>
             </a:fld>
             <a:endParaRPr lang="en-US"/>
           </a:p>
@@ -2957,7 +2957,7 @@
           <a:p>
             <a:fld id="{97F6B31B-AD68-2949-9F89-D2E164A9E897}" type="datetimeFigureOut">
               <a:rPr lang="en-US" smtClean="0"/>
-              <a:t>3/12/15</a:t>
+              <a:t>3/17/15</a:t>
             </a:fld>
             <a:endParaRPr lang="en-US"/>
           </a:p>
@@ -3170,7 +3170,7 @@
           <a:p>
             <a:fld id="{97F6B31B-AD68-2949-9F89-D2E164A9E897}" type="datetimeFigureOut">
               <a:rPr lang="en-US" smtClean="0"/>
-              <a:t>3/12/15</a:t>
+              <a:t>3/17/15</a:t>
             </a:fld>
             <a:endParaRPr lang="en-US"/>
           </a:p>
@@ -3862,7 +3862,7 @@
           <a:graphicData uri="http://schemas.openxmlformats.org/presentationml/2006/ole">
             <mc:AlternateContent xmlns:mc="http://schemas.openxmlformats.org/markup-compatibility/2006">
               <mc:Choice xmlns:v="urn:schemas-microsoft-com:vml" Requires="v">
-                <p:oleObj spid="_x0000_s2335" name="Equation" r:id="rId5" imgW="1091880" imgH="393480" progId="Equation.3">
+                <p:oleObj spid="_x0000_s2342" name="Equation" r:id="rId5" imgW="1091880" imgH="393480" progId="Equation.3">
                   <p:embed/>
                 </p:oleObj>
               </mc:Choice>
@@ -3919,7 +3919,7 @@
           <a:graphicData uri="http://schemas.openxmlformats.org/presentationml/2006/ole">
             <mc:AlternateContent xmlns:mc="http://schemas.openxmlformats.org/markup-compatibility/2006">
               <mc:Choice xmlns:v="urn:schemas-microsoft-com:vml" Requires="v">
-                <p:oleObj spid="_x0000_s2336" name="Equation" r:id="rId7" imgW="1930320" imgH="685800" progId="Equation.3">
+                <p:oleObj spid="_x0000_s2343" name="Equation" r:id="rId7" imgW="1930320" imgH="685800" progId="Equation.3">
                   <p:embed/>
                 </p:oleObj>
               </mc:Choice>
@@ -3983,7 +3983,7 @@
           <a:graphicData uri="http://schemas.openxmlformats.org/presentationml/2006/ole">
             <mc:AlternateContent xmlns:mc="http://schemas.openxmlformats.org/markup-compatibility/2006">
               <mc:Choice xmlns:v="urn:schemas-microsoft-com:vml" Requires="v">
-                <p:oleObj spid="_x0000_s2337" name="Equation" r:id="rId9" imgW="3136680" imgH="736560" progId="Equation.3">
+                <p:oleObj spid="_x0000_s2344" name="Equation" r:id="rId9" imgW="3136680" imgH="736560" progId="Equation.3">
                   <p:embed/>
                 </p:oleObj>
               </mc:Choice>
@@ -4115,10 +4115,10 @@
         </p:nvGrpSpPr>
         <p:grpSpPr>
           <a:xfrm>
-            <a:off x="22283197" y="34552161"/>
-            <a:ext cx="10495817" cy="4424633"/>
-            <a:chOff x="29667455" y="23646804"/>
-            <a:chExt cx="13994423" cy="3318475"/>
+            <a:off x="22152256" y="34552161"/>
+            <a:ext cx="10626757" cy="4424633"/>
+            <a:chOff x="29492868" y="23646804"/>
+            <a:chExt cx="14169010" cy="3318475"/>
           </a:xfrm>
         </p:grpSpPr>
         <p:sp>
@@ -4129,8 +4129,8 @@
           </p:nvSpPr>
           <p:spPr>
             <a:xfrm>
-              <a:off x="29710928" y="23914750"/>
-              <a:ext cx="13950950" cy="3050529"/>
+              <a:off x="29492868" y="23914750"/>
+              <a:ext cx="14169010" cy="3050529"/>
             </a:xfrm>
             <a:prstGeom prst="roundRect">
               <a:avLst>
@@ -4180,8 +4180,8 @@
           </p:nvSpPr>
           <p:spPr>
             <a:xfrm>
-              <a:off x="29667455" y="23646804"/>
-              <a:ext cx="13994423" cy="908362"/>
+              <a:off x="29492871" y="23646804"/>
+              <a:ext cx="14169007" cy="908362"/>
             </a:xfrm>
             <a:prstGeom prst="roundRect">
               <a:avLst>
@@ -4370,7 +4370,7 @@
             </a:xfrm>
             <a:prstGeom prst="roundRect">
               <a:avLst>
-                <a:gd name="adj" fmla="val 20006"/>
+                <a:gd name="adj" fmla="val 4586"/>
               </a:avLst>
             </a:prstGeom>
             <a:solidFill>
@@ -4698,11 +4698,7 @@
             </a:r>
             <a:r>
               <a:rPr lang="en-US" sz="2400" dirty="0" smtClean="0"/>
-              <a:t>network (GRN) </a:t>
-            </a:r>
-            <a:r>
-              <a:rPr lang="en-US" sz="2400" dirty="0" smtClean="0"/>
-              <a:t>of </a:t>
+              <a:t>network (GRN) of </a:t>
             </a:r>
             <a:r>
               <a:rPr lang="en-US" sz="2400" i="1" dirty="0" smtClean="0"/>
@@ -4962,14 +4958,7 @@
                 <a:latin typeface="Times New Roman"/>
                 <a:cs typeface="Times New Roman"/>
               </a:rPr>
-              <a:t>ene </a:t>
-            </a:r>
-            <a:r>
-              <a:rPr lang="en-US" sz="2600" i="1" dirty="0" smtClean="0">
-                <a:latin typeface="Times New Roman"/>
-                <a:cs typeface="Times New Roman"/>
-              </a:rPr>
-              <a:t>regulatory network</a:t>
+              <a:t>ene regulatory network</a:t>
             </a:r>
             <a:endParaRPr lang="en-US" sz="2600" i="1" dirty="0">
               <a:latin typeface="Times New Roman"/>
@@ -5621,15 +5610,7 @@
               </a:r>
               <a:r>
                 <a:rPr lang="en-US" sz="2400" dirty="0" smtClean="0"/>
-                <a:t>takes </a:t>
-              </a:r>
-              <a:r>
-                <a:rPr lang="en-US" sz="2400" dirty="0" smtClean="0"/>
-                <a:t>in its parameters directly from the spreadsheet. The spreadsheet (Figure 4) is expected to have the following information</a:t>
-              </a:r>
-              <a:r>
-                <a:rPr lang="en-US" sz="2400" dirty="0" smtClean="0"/>
-                <a:t>:</a:t>
+                <a:t>takes in its parameters directly from the spreadsheet. The spreadsheet (Figure 4) is expected to have the following information:</a:t>
               </a:r>
             </a:p>
             <a:p>
@@ -5775,7 +5756,7 @@
           </p:blipFill>
           <p:spPr>
             <a:xfrm>
-              <a:off x="30432876" y="7045378"/>
+              <a:off x="30231778" y="7042421"/>
               <a:ext cx="5908531" cy="3002500"/>
             </a:xfrm>
             <a:prstGeom prst="rect">
@@ -5791,7 +5772,7 @@
           </p:nvSpPr>
           <p:spPr>
             <a:xfrm>
-              <a:off x="30138417" y="11432371"/>
+              <a:off x="30138417" y="11585712"/>
               <a:ext cx="13257186" cy="1454244"/>
             </a:xfrm>
             <a:prstGeom prst="rect">
@@ -5850,7 +5831,7 @@
           <p:spPr>
             <a:xfrm>
               <a:off x="30392277" y="10331152"/>
-              <a:ext cx="5949130" cy="715580"/>
+              <a:ext cx="5949130" cy="677828"/>
             </a:xfrm>
             <a:prstGeom prst="rect">
               <a:avLst/>
@@ -5878,18 +5859,34 @@
                 <a:t>re </a:t>
               </a:r>
               <a:r>
+                <a:rPr lang="en-US" sz="2600" i="1" dirty="0">
+                  <a:latin typeface="Times New Roman"/>
+                  <a:cs typeface="Times New Roman"/>
+                </a:rPr>
+                <a:t>2</a:t>
+              </a:r>
+              <a:r>
                 <a:rPr lang="en-US" sz="2600" i="1" dirty="0" smtClean="0">
                   <a:latin typeface="Times New Roman"/>
                   <a:cs typeface="Times New Roman"/>
                 </a:rPr>
-                <a:t>4.  </a:t>
+                <a:t>.  </a:t>
+              </a:r>
+            </a:p>
+            <a:p>
+              <a:r>
+                <a:rPr lang="en-US" sz="2600" i="1" dirty="0" smtClean="0">
+                  <a:latin typeface="Times New Roman"/>
+                  <a:cs typeface="Times New Roman"/>
+                </a:rPr>
+                <a:t>Optimization </a:t>
               </a:r>
               <a:r>
                 <a:rPr lang="en-US" sz="2600" i="1" dirty="0">
                   <a:latin typeface="Times New Roman"/>
                   <a:cs typeface="Times New Roman"/>
                 </a:rPr>
-                <a:t>Optimization Parameters </a:t>
+                <a:t>Parameters </a:t>
               </a:r>
               <a:r>
                 <a:rPr lang="en-US" sz="2600" i="1" dirty="0" smtClean="0">
@@ -5927,7 +5924,7 @@
           </p:blipFill>
           <p:spPr>
             <a:xfrm>
-              <a:off x="36646207" y="7042421"/>
+              <a:off x="36889145" y="7042421"/>
               <a:ext cx="6477462" cy="3646521"/>
             </a:xfrm>
             <a:prstGeom prst="rect">
@@ -5944,7 +5941,7 @@
           <p:spPr>
             <a:xfrm>
               <a:off x="36646207" y="10791649"/>
-              <a:ext cx="6628936" cy="669414"/>
+              <a:ext cx="7059144" cy="634098"/>
             </a:xfrm>
             <a:prstGeom prst="rect">
               <a:avLst/>
@@ -5962,14 +5959,37 @@
                   <a:latin typeface="Times New Roman"/>
                   <a:cs typeface="Times New Roman"/>
                 </a:rPr>
-                <a:t>Figure 5.  Dialog Box for choosing </a:t>
+                <a:t>Figure </a:t>
               </a:r>
               <a:r>
                 <a:rPr lang="en-US" sz="2600" i="1" dirty="0" smtClean="0">
                   <a:latin typeface="Times New Roman"/>
                   <a:cs typeface="Times New Roman"/>
                 </a:rPr>
-                <a:t>spreadsheet</a:t>
+                <a:t>3. </a:t>
+              </a:r>
+            </a:p>
+            <a:p>
+              <a:r>
+                <a:rPr lang="en-US" sz="2600" i="1" dirty="0" smtClean="0">
+                  <a:latin typeface="Times New Roman"/>
+                  <a:cs typeface="Times New Roman"/>
+                </a:rPr>
+                <a:t> </a:t>
+              </a:r>
+              <a:r>
+                <a:rPr lang="en-US" sz="2600" i="1" dirty="0">
+                  <a:latin typeface="Times New Roman"/>
+                  <a:cs typeface="Times New Roman"/>
+                </a:rPr>
+                <a:t>Dialog Box for </a:t>
+              </a:r>
+              <a:r>
+                <a:rPr lang="en-US" sz="2600" i="1" dirty="0" smtClean="0">
+                  <a:latin typeface="Times New Roman"/>
+                  <a:cs typeface="Times New Roman"/>
+                </a:rPr>
+                <a:t>choosing spreadsheet</a:t>
               </a:r>
               <a:endParaRPr lang="en-US" sz="2600" i="1" dirty="0">
                 <a:latin typeface="Times New Roman"/>
@@ -6017,7 +6037,7 @@
           <p:spPr>
             <a:xfrm>
               <a:off x="33186044" y="17472295"/>
-              <a:ext cx="6920324" cy="715580"/>
+              <a:ext cx="6941832" cy="677828"/>
             </a:xfrm>
             <a:prstGeom prst="rect">
               <a:avLst/>
@@ -6042,14 +6062,37 @@
                   <a:latin typeface="Times New Roman"/>
                   <a:cs typeface="Times New Roman"/>
                 </a:rPr>
-                <a:t>re 6</a:t>
+                <a:t>re </a:t>
               </a:r>
               <a:r>
                 <a:rPr lang="en-US" sz="2600" i="1" dirty="0" smtClean="0">
                   <a:latin typeface="Times New Roman"/>
                   <a:cs typeface="Times New Roman"/>
                 </a:rPr>
-                <a:t>.  Sample of plot generated by </a:t>
+                <a:t>4.  </a:t>
+              </a:r>
+            </a:p>
+            <a:p>
+              <a:r>
+                <a:rPr lang="en-US" sz="2600" i="1" dirty="0" smtClean="0">
+                  <a:latin typeface="Times New Roman"/>
+                  <a:cs typeface="Times New Roman"/>
+                </a:rPr>
+                <a:t>Sample </a:t>
+              </a:r>
+              <a:r>
+                <a:rPr lang="en-US" sz="2600" i="1" dirty="0" smtClean="0">
+                  <a:latin typeface="Times New Roman"/>
+                  <a:cs typeface="Times New Roman"/>
+                </a:rPr>
+                <a:t>of plot generated </a:t>
+              </a:r>
+              <a:r>
+                <a:rPr lang="en-US" sz="2600" i="1" dirty="0" smtClean="0">
+                  <a:latin typeface="Times New Roman"/>
+                  <a:cs typeface="Times New Roman"/>
+                </a:rPr>
+                <a:t>by </a:t>
               </a:r>
               <a:r>
                 <a:rPr lang="en-US" sz="2600" i="1" dirty="0" err="1" smtClean="0">
@@ -6270,8 +6313,9 @@
               </a:pPr>
               <a:r>
                 <a:rPr lang="en-US" sz="2400" dirty="0" smtClean="0"/>
-                <a:t>The new code is function-based, modular, easier to maintain, and memory efficient.</a:t>
-              </a:r>
+                <a:t>Unit testing is currently being developed, which will allow future development to be done faster and ensure correctness.</a:t>
+              </a:r>
+              <a:endParaRPr lang="en-US" sz="2400" dirty="0" smtClean="0"/>
             </a:p>
             <a:p>
               <a:pPr marL="342900" indent="-342900">
@@ -6552,7 +6596,6 @@
               <a:rPr lang="en-US" sz="3600" dirty="0" smtClean="0"/>
               <a:t>Mathematics, </a:t>
             </a:r>
-            <a:endParaRPr lang="en-US" sz="3600" dirty="0" smtClean="0"/>
           </a:p>
           <a:p>
             <a:pPr algn="ctr"/>
@@ -6635,300 +6678,6 @@
               <a:t>Unit Testing</a:t>
             </a:r>
             <a:endParaRPr lang="en-US" sz="4000" b="1" dirty="0"/>
-          </a:p>
-        </p:txBody>
-      </p:sp>
-      <p:sp>
-        <p:nvSpPr>
-          <p:cNvPr id="9" name="TextBox 8"/>
-          <p:cNvSpPr txBox="1"/>
-          <p:nvPr/>
-        </p:nvSpPr>
-        <p:spPr>
-          <a:xfrm>
-            <a:off x="22524567" y="19256264"/>
-            <a:ext cx="10011074" cy="6463307"/>
-          </a:xfrm>
-          <a:prstGeom prst="rect">
-            <a:avLst/>
-          </a:prstGeom>
-          <a:noFill/>
-        </p:spPr>
-        <p:txBody>
-          <a:bodyPr wrap="square" rtlCol="0">
-            <a:spAutoFit/>
-          </a:bodyPr>
-          <a:lstStyle/>
-          <a:p>
-            <a:r>
-              <a:rPr lang="en-US" sz="2400" dirty="0"/>
-              <a:t>In order to efficiently and effectively maintain the MATLAB package, a unit testing framework is created. Unit testing, a method for checking whether individual units of a software program function as intended, ensures that every change we make to the code does not affect its functionality. </a:t>
-            </a:r>
-            <a:r>
-              <a:rPr lang="en-US" sz="2400" dirty="0" smtClean="0"/>
-              <a:t>Unit testing allows </a:t>
-            </a:r>
-            <a:r>
-              <a:rPr lang="en-US" sz="2400" dirty="0"/>
-              <a:t>for better means of pinpointing specific problems in the program by breaking up its operations into smaller parts and then inputting values to which we know the answer</a:t>
-            </a:r>
-            <a:r>
-              <a:rPr lang="en-US" sz="2400" dirty="0" smtClean="0"/>
-              <a:t>.</a:t>
-            </a:r>
-          </a:p>
-          <a:p>
-            <a:endParaRPr lang="en-US" sz="2400" dirty="0" smtClean="0"/>
-          </a:p>
-          <a:p>
-            <a:r>
-              <a:rPr lang="en-US" sz="2200" dirty="0">
-                <a:latin typeface="Consolas"/>
-                <a:cs typeface="Consolas"/>
-              </a:rPr>
-              <a:t>DEFINE main function</a:t>
-            </a:r>
-          </a:p>
-          <a:p>
-            <a:r>
-              <a:rPr lang="en-US" sz="2200" dirty="0">
-                <a:latin typeface="Consolas"/>
-                <a:cs typeface="Consolas"/>
-              </a:rPr>
-              <a:t> </a:t>
-            </a:r>
-            <a:r>
-              <a:rPr lang="en-US" sz="2200" dirty="0" smtClean="0">
-                <a:latin typeface="Consolas"/>
-                <a:cs typeface="Consolas"/>
-              </a:rPr>
-              <a:t>   CALL </a:t>
-            </a:r>
-            <a:r>
-              <a:rPr lang="en-US" sz="2200" dirty="0" err="1">
-                <a:latin typeface="Consolas"/>
-                <a:cs typeface="Consolas"/>
-              </a:rPr>
-              <a:t>functiontests</a:t>
-            </a:r>
-            <a:r>
-              <a:rPr lang="en-US" sz="2200" dirty="0">
-                <a:latin typeface="Consolas"/>
-                <a:cs typeface="Consolas"/>
-              </a:rPr>
-              <a:t> (</a:t>
-            </a:r>
-            <a:r>
-              <a:rPr lang="en-US" sz="2200" dirty="0" err="1">
-                <a:latin typeface="Consolas"/>
-                <a:cs typeface="Consolas"/>
-              </a:rPr>
-              <a:t>localfunctions</a:t>
-            </a:r>
-            <a:r>
-              <a:rPr lang="en-US" sz="2200" dirty="0">
-                <a:latin typeface="Consolas"/>
-                <a:cs typeface="Consolas"/>
-              </a:rPr>
-              <a:t>) to make a tests array</a:t>
-            </a:r>
-          </a:p>
-          <a:p>
-            <a:r>
-              <a:rPr lang="en-US" sz="2200" dirty="0">
-                <a:latin typeface="Consolas"/>
-                <a:cs typeface="Consolas"/>
-              </a:rPr>
-              <a:t>END</a:t>
-            </a:r>
-          </a:p>
-          <a:p>
-            <a:r>
-              <a:rPr lang="en-US" sz="2200" dirty="0">
-                <a:latin typeface="Consolas"/>
-                <a:cs typeface="Consolas"/>
-              </a:rPr>
-              <a:t> </a:t>
-            </a:r>
-          </a:p>
-          <a:p>
-            <a:r>
-              <a:rPr lang="en-US" sz="2200" dirty="0">
-                <a:latin typeface="Consolas"/>
-                <a:cs typeface="Consolas"/>
-              </a:rPr>
-              <a:t>DEFINE function </a:t>
-            </a:r>
-            <a:r>
-              <a:rPr lang="en-US" sz="2200" dirty="0" err="1">
-                <a:latin typeface="Consolas"/>
-                <a:cs typeface="Consolas"/>
-              </a:rPr>
-              <a:t>firstTest</a:t>
-            </a:r>
-            <a:r>
-              <a:rPr lang="en-US" sz="2200" dirty="0">
-                <a:latin typeface="Consolas"/>
-                <a:cs typeface="Consolas"/>
-              </a:rPr>
-              <a:t> (</a:t>
-            </a:r>
-            <a:r>
-              <a:rPr lang="en-US" sz="2200" dirty="0" err="1">
-                <a:latin typeface="Consolas"/>
-                <a:cs typeface="Consolas"/>
-              </a:rPr>
-              <a:t>testCase</a:t>
-            </a:r>
-            <a:r>
-              <a:rPr lang="en-US" sz="2200" dirty="0">
-                <a:latin typeface="Consolas"/>
-                <a:cs typeface="Consolas"/>
-              </a:rPr>
-              <a:t>)</a:t>
-            </a:r>
-          </a:p>
-          <a:p>
-            <a:r>
-              <a:rPr lang="en-US" sz="2200" dirty="0" smtClean="0">
-                <a:latin typeface="Consolas"/>
-                <a:cs typeface="Consolas"/>
-              </a:rPr>
-              <a:t>    </a:t>
-            </a:r>
-            <a:r>
-              <a:rPr lang="en-US" sz="2200" dirty="0" err="1" smtClean="0">
-                <a:latin typeface="Consolas"/>
-                <a:cs typeface="Consolas"/>
-              </a:rPr>
-              <a:t>actualOutput</a:t>
-            </a:r>
-            <a:r>
-              <a:rPr lang="en-US" sz="2200" dirty="0" smtClean="0">
-                <a:latin typeface="Consolas"/>
-                <a:cs typeface="Consolas"/>
-              </a:rPr>
-              <a:t> </a:t>
-            </a:r>
-            <a:r>
-              <a:rPr lang="en-US" sz="2200" dirty="0">
-                <a:latin typeface="Consolas"/>
-                <a:cs typeface="Consolas"/>
-              </a:rPr>
-              <a:t>= evaluate function by using known </a:t>
-            </a:r>
-            <a:r>
-              <a:rPr lang="en-US" sz="2200" dirty="0" smtClean="0">
-                <a:latin typeface="Consolas"/>
-                <a:cs typeface="Consolas"/>
-              </a:rPr>
-              <a:t>inputs</a:t>
-            </a:r>
-            <a:endParaRPr lang="en-US" sz="2200" dirty="0">
-              <a:latin typeface="Consolas"/>
-              <a:cs typeface="Consolas"/>
-            </a:endParaRPr>
-          </a:p>
-          <a:p>
-            <a:r>
-              <a:rPr lang="en-US" sz="2200" dirty="0">
-                <a:latin typeface="Consolas"/>
-                <a:cs typeface="Consolas"/>
-              </a:rPr>
-              <a:t> </a:t>
-            </a:r>
-            <a:r>
-              <a:rPr lang="en-US" sz="2200" dirty="0" smtClean="0">
-                <a:latin typeface="Consolas"/>
-                <a:cs typeface="Consolas"/>
-              </a:rPr>
-              <a:t>   </a:t>
-            </a:r>
-            <a:r>
-              <a:rPr lang="en-US" sz="2200" dirty="0" err="1" smtClean="0">
-                <a:latin typeface="Consolas"/>
-                <a:cs typeface="Consolas"/>
-              </a:rPr>
-              <a:t>expectedOutput</a:t>
-            </a:r>
-            <a:r>
-              <a:rPr lang="en-US" sz="2200" dirty="0" smtClean="0">
-                <a:latin typeface="Consolas"/>
-                <a:cs typeface="Consolas"/>
-              </a:rPr>
-              <a:t> </a:t>
-            </a:r>
-            <a:r>
-              <a:rPr lang="en-US" sz="2200" dirty="0">
-                <a:latin typeface="Consolas"/>
-                <a:cs typeface="Consolas"/>
-              </a:rPr>
-              <a:t>= assign </a:t>
-            </a:r>
-            <a:r>
-              <a:rPr lang="en-US" sz="2200" dirty="0" smtClean="0">
-                <a:latin typeface="Consolas"/>
-                <a:cs typeface="Consolas"/>
-              </a:rPr>
-              <a:t>expected results</a:t>
-            </a:r>
-            <a:endParaRPr lang="en-US" sz="2200" dirty="0">
-              <a:latin typeface="Consolas"/>
-              <a:cs typeface="Consolas"/>
-            </a:endParaRPr>
-          </a:p>
-          <a:p>
-            <a:r>
-              <a:rPr lang="en-US" sz="2200" dirty="0">
-                <a:latin typeface="Consolas"/>
-                <a:cs typeface="Consolas"/>
-              </a:rPr>
-              <a:t> </a:t>
-            </a:r>
-            <a:r>
-              <a:rPr lang="en-US" sz="2200" dirty="0" smtClean="0">
-                <a:latin typeface="Consolas"/>
-                <a:cs typeface="Consolas"/>
-              </a:rPr>
-              <a:t>   VERIFY </a:t>
-            </a:r>
-            <a:r>
-              <a:rPr lang="en-US" sz="2200" dirty="0" err="1">
-                <a:latin typeface="Consolas"/>
-                <a:cs typeface="Consolas"/>
-              </a:rPr>
-              <a:t>actualOutput</a:t>
-            </a:r>
-            <a:r>
-              <a:rPr lang="en-US" sz="2200" dirty="0">
-                <a:latin typeface="Consolas"/>
-                <a:cs typeface="Consolas"/>
-              </a:rPr>
-              <a:t> equals </a:t>
-            </a:r>
-            <a:r>
-              <a:rPr lang="en-US" sz="2200" dirty="0" err="1">
-                <a:latin typeface="Consolas"/>
-                <a:cs typeface="Consolas"/>
-              </a:rPr>
-              <a:t>expectedOutput</a:t>
-            </a:r>
-            <a:endParaRPr lang="en-US" sz="2200" dirty="0">
-              <a:latin typeface="Consolas"/>
-              <a:cs typeface="Consolas"/>
-            </a:endParaRPr>
-          </a:p>
-          <a:p>
-            <a:r>
-              <a:rPr lang="en-US" sz="2200" dirty="0">
-                <a:latin typeface="Consolas"/>
-                <a:cs typeface="Consolas"/>
-              </a:rPr>
-              <a:t>END</a:t>
-            </a:r>
-          </a:p>
-          <a:p>
-            <a:endParaRPr lang="en-US" sz="2400" dirty="0"/>
           </a:p>
         </p:txBody>
       </p:sp>
@@ -7274,6 +7023,54 @@
           </a:p>
         </p:txBody>
       </p:sp>
+      <p:sp>
+        <p:nvSpPr>
+          <p:cNvPr id="5" name="Rectangle 4"/>
+          <p:cNvSpPr/>
+          <p:nvPr/>
+        </p:nvSpPr>
+        <p:spPr>
+          <a:xfrm>
+            <a:off x="22524567" y="22360850"/>
+            <a:ext cx="9687878" cy="3160295"/>
+          </a:xfrm>
+          <a:prstGeom prst="rect">
+            <a:avLst/>
+          </a:prstGeom>
+          <a:solidFill>
+            <a:schemeClr val="accent3">
+              <a:lumMod val="20000"/>
+              <a:lumOff val="80000"/>
+            </a:schemeClr>
+          </a:solidFill>
+          <a:ln>
+            <a:noFill/>
+          </a:ln>
+          <a:effectLst/>
+        </p:spPr>
+        <p:style>
+          <a:lnRef idx="1">
+            <a:schemeClr val="accent1"/>
+          </a:lnRef>
+          <a:fillRef idx="3">
+            <a:schemeClr val="accent1"/>
+          </a:fillRef>
+          <a:effectRef idx="2">
+            <a:schemeClr val="accent1"/>
+          </a:effectRef>
+          <a:fontRef idx="minor">
+            <a:schemeClr val="lt1"/>
+          </a:fontRef>
+        </p:style>
+        <p:txBody>
+          <a:bodyPr rtlCol="0" anchor="ctr"/>
+          <a:lstStyle/>
+          <a:p>
+            <a:pPr algn="ctr"/>
+            <a:endParaRPr lang="en-US"/>
+          </a:p>
+        </p:txBody>
+      </p:sp>
       <p:pic>
         <p:nvPicPr>
           <p:cNvPr id="17" name="Picture 16" descr="Updated GRNmap State Diagram.pdf"/>
@@ -7304,6 +7101,337 @@
           </a:prstGeom>
         </p:spPr>
       </p:pic>
+      <p:sp>
+        <p:nvSpPr>
+          <p:cNvPr id="9" name="TextBox 8"/>
+          <p:cNvSpPr txBox="1"/>
+          <p:nvPr/>
+        </p:nvSpPr>
+        <p:spPr>
+          <a:xfrm>
+            <a:off x="22524567" y="19256264"/>
+            <a:ext cx="10011074" cy="2677656"/>
+          </a:xfrm>
+          <a:prstGeom prst="rect">
+            <a:avLst/>
+          </a:prstGeom>
+          <a:noFill/>
+        </p:spPr>
+        <p:txBody>
+          <a:bodyPr wrap="square" rtlCol="0">
+            <a:spAutoFit/>
+          </a:bodyPr>
+          <a:lstStyle/>
+          <a:p>
+            <a:pPr algn="just"/>
+            <a:r>
+              <a:rPr lang="en-US" sz="2400" dirty="0"/>
+              <a:t>In order to efficiently and effectively maintain the MATLAB package, a unit testing framework is created. Unit testing, a method for checking whether individual units of a software program function as intended, ensures that every change we make to the code does not affect its functionality. </a:t>
+            </a:r>
+            <a:r>
+              <a:rPr lang="en-US" sz="2400" dirty="0" smtClean="0"/>
+              <a:t>Unit testing allows </a:t>
+            </a:r>
+            <a:r>
+              <a:rPr lang="en-US" sz="2400" dirty="0"/>
+              <a:t>for better means of pinpointing specific problems in the program by breaking up its operations into smaller parts and then inputting values to which we know the answer</a:t>
+            </a:r>
+            <a:r>
+              <a:rPr lang="en-US" sz="2400" dirty="0" smtClean="0"/>
+              <a:t>.</a:t>
+            </a:r>
+            <a:endParaRPr lang="en-US" sz="2400" dirty="0" smtClean="0"/>
+          </a:p>
+        </p:txBody>
+      </p:sp>
+      <p:sp>
+        <p:nvSpPr>
+          <p:cNvPr id="8" name="TextBox 7"/>
+          <p:cNvSpPr txBox="1"/>
+          <p:nvPr/>
+        </p:nvSpPr>
+        <p:spPr>
+          <a:xfrm>
+            <a:off x="22524567" y="22375789"/>
+            <a:ext cx="9687878" cy="3139321"/>
+          </a:xfrm>
+          <a:prstGeom prst="rect">
+            <a:avLst/>
+          </a:prstGeom>
+          <a:noFill/>
+        </p:spPr>
+        <p:txBody>
+          <a:bodyPr wrap="square" rtlCol="0">
+            <a:spAutoFit/>
+          </a:bodyPr>
+          <a:lstStyle/>
+          <a:p>
+            <a:r>
+              <a:rPr lang="en-US" sz="2200" dirty="0">
+                <a:latin typeface="Consolas"/>
+                <a:cs typeface="Consolas"/>
+              </a:rPr>
+              <a:t>DEFINE main function</a:t>
+            </a:r>
+          </a:p>
+          <a:p>
+            <a:r>
+              <a:rPr lang="en-US" sz="2200" dirty="0">
+                <a:latin typeface="Consolas"/>
+                <a:cs typeface="Consolas"/>
+              </a:rPr>
+              <a:t>    CALL </a:t>
+            </a:r>
+            <a:r>
+              <a:rPr lang="en-US" sz="2200" dirty="0" err="1">
+                <a:latin typeface="Consolas"/>
+                <a:cs typeface="Consolas"/>
+              </a:rPr>
+              <a:t>functiontests</a:t>
+            </a:r>
+            <a:r>
+              <a:rPr lang="en-US" sz="2200" dirty="0">
+                <a:latin typeface="Consolas"/>
+                <a:cs typeface="Consolas"/>
+              </a:rPr>
+              <a:t> (</a:t>
+            </a:r>
+            <a:r>
+              <a:rPr lang="en-US" sz="2200" dirty="0" err="1">
+                <a:latin typeface="Consolas"/>
+                <a:cs typeface="Consolas"/>
+              </a:rPr>
+              <a:t>localfunctions</a:t>
+            </a:r>
+            <a:r>
+              <a:rPr lang="en-US" sz="2200" dirty="0">
+                <a:latin typeface="Consolas"/>
+                <a:cs typeface="Consolas"/>
+              </a:rPr>
+              <a:t>) to make a tests array</a:t>
+            </a:r>
+          </a:p>
+          <a:p>
+            <a:r>
+              <a:rPr lang="en-US" sz="2200" dirty="0">
+                <a:latin typeface="Consolas"/>
+                <a:cs typeface="Consolas"/>
+              </a:rPr>
+              <a:t>END</a:t>
+            </a:r>
+          </a:p>
+          <a:p>
+            <a:r>
+              <a:rPr lang="en-US" sz="2200" dirty="0">
+                <a:latin typeface="Consolas"/>
+                <a:cs typeface="Consolas"/>
+              </a:rPr>
+              <a:t> </a:t>
+            </a:r>
+          </a:p>
+          <a:p>
+            <a:r>
+              <a:rPr lang="en-US" sz="2200" dirty="0">
+                <a:latin typeface="Consolas"/>
+                <a:cs typeface="Consolas"/>
+              </a:rPr>
+              <a:t>DEFINE function </a:t>
+            </a:r>
+            <a:r>
+              <a:rPr lang="en-US" sz="2200" dirty="0" err="1">
+                <a:latin typeface="Consolas"/>
+                <a:cs typeface="Consolas"/>
+              </a:rPr>
+              <a:t>firstTest</a:t>
+            </a:r>
+            <a:r>
+              <a:rPr lang="en-US" sz="2200" dirty="0">
+                <a:latin typeface="Consolas"/>
+                <a:cs typeface="Consolas"/>
+              </a:rPr>
+              <a:t> (</a:t>
+            </a:r>
+            <a:r>
+              <a:rPr lang="en-US" sz="2200" dirty="0" err="1">
+                <a:latin typeface="Consolas"/>
+                <a:cs typeface="Consolas"/>
+              </a:rPr>
+              <a:t>testCase</a:t>
+            </a:r>
+            <a:r>
+              <a:rPr lang="en-US" sz="2200" dirty="0">
+                <a:latin typeface="Consolas"/>
+                <a:cs typeface="Consolas"/>
+              </a:rPr>
+              <a:t>)</a:t>
+            </a:r>
+          </a:p>
+          <a:p>
+            <a:r>
+              <a:rPr lang="en-US" sz="2200" dirty="0">
+                <a:latin typeface="Consolas"/>
+                <a:cs typeface="Consolas"/>
+              </a:rPr>
+              <a:t>    </a:t>
+            </a:r>
+            <a:r>
+              <a:rPr lang="en-US" sz="2200" dirty="0" err="1">
+                <a:latin typeface="Consolas"/>
+                <a:cs typeface="Consolas"/>
+              </a:rPr>
+              <a:t>actualOutput</a:t>
+            </a:r>
+            <a:r>
+              <a:rPr lang="en-US" sz="2200" dirty="0">
+                <a:latin typeface="Consolas"/>
+                <a:cs typeface="Consolas"/>
+              </a:rPr>
+              <a:t> = evaluate function by using known inputs</a:t>
+            </a:r>
+          </a:p>
+          <a:p>
+            <a:r>
+              <a:rPr lang="en-US" sz="2200" dirty="0">
+                <a:latin typeface="Consolas"/>
+                <a:cs typeface="Consolas"/>
+              </a:rPr>
+              <a:t>    </a:t>
+            </a:r>
+            <a:r>
+              <a:rPr lang="en-US" sz="2200" dirty="0" err="1">
+                <a:latin typeface="Consolas"/>
+                <a:cs typeface="Consolas"/>
+              </a:rPr>
+              <a:t>expectedOutput</a:t>
+            </a:r>
+            <a:r>
+              <a:rPr lang="en-US" sz="2200" dirty="0">
+                <a:latin typeface="Consolas"/>
+                <a:cs typeface="Consolas"/>
+              </a:rPr>
+              <a:t> = assign expected results</a:t>
+            </a:r>
+          </a:p>
+          <a:p>
+            <a:r>
+              <a:rPr lang="en-US" sz="2200" dirty="0">
+                <a:latin typeface="Consolas"/>
+                <a:cs typeface="Consolas"/>
+              </a:rPr>
+              <a:t>    VERIFY </a:t>
+            </a:r>
+            <a:r>
+              <a:rPr lang="en-US" sz="2200" dirty="0" err="1">
+                <a:latin typeface="Consolas"/>
+                <a:cs typeface="Consolas"/>
+              </a:rPr>
+              <a:t>actualOutput</a:t>
+            </a:r>
+            <a:r>
+              <a:rPr lang="en-US" sz="2200" dirty="0">
+                <a:latin typeface="Consolas"/>
+                <a:cs typeface="Consolas"/>
+              </a:rPr>
+              <a:t> equals </a:t>
+            </a:r>
+            <a:r>
+              <a:rPr lang="en-US" sz="2200" dirty="0" err="1">
+                <a:latin typeface="Consolas"/>
+                <a:cs typeface="Consolas"/>
+              </a:rPr>
+              <a:t>expectedOutput</a:t>
+            </a:r>
+            <a:endParaRPr lang="en-US" sz="2200" dirty="0">
+              <a:latin typeface="Consolas"/>
+              <a:cs typeface="Consolas"/>
+            </a:endParaRPr>
+          </a:p>
+          <a:p>
+            <a:r>
+              <a:rPr lang="en-US" sz="2200" dirty="0">
+                <a:latin typeface="Consolas"/>
+                <a:cs typeface="Consolas"/>
+              </a:rPr>
+              <a:t>END</a:t>
+            </a:r>
+            <a:endParaRPr lang="en-US" sz="2200" dirty="0">
+              <a:latin typeface="Consolas"/>
+              <a:cs typeface="Consolas"/>
+            </a:endParaRPr>
+          </a:p>
+        </p:txBody>
+      </p:sp>
+      <p:sp>
+        <p:nvSpPr>
+          <p:cNvPr id="18" name="TextBox 17"/>
+          <p:cNvSpPr txBox="1"/>
+          <p:nvPr/>
+        </p:nvSpPr>
+        <p:spPr>
+          <a:xfrm>
+            <a:off x="22493965" y="25685172"/>
+            <a:ext cx="10252444" cy="461665"/>
+          </a:xfrm>
+          <a:prstGeom prst="rect">
+            <a:avLst/>
+          </a:prstGeom>
+          <a:noFill/>
+        </p:spPr>
+        <p:txBody>
+          <a:bodyPr wrap="square" rtlCol="0">
+            <a:spAutoFit/>
+          </a:bodyPr>
+          <a:lstStyle/>
+          <a:p>
+            <a:r>
+              <a:rPr lang="en-US" sz="2400" i="1" dirty="0">
+                <a:latin typeface="Times New Roman"/>
+                <a:cs typeface="Times New Roman"/>
+              </a:rPr>
+              <a:t>Figure 5</a:t>
+            </a:r>
+            <a:r>
+              <a:rPr lang="en-US" sz="2400" i="1" dirty="0" smtClean="0">
+                <a:latin typeface="Times New Roman"/>
+                <a:cs typeface="Times New Roman"/>
+              </a:rPr>
+              <a:t>. </a:t>
+            </a:r>
+            <a:r>
+              <a:rPr lang="en-US" sz="2400" i="1" dirty="0" err="1">
+                <a:latin typeface="Times New Roman"/>
+                <a:cs typeface="Times New Roman"/>
+              </a:rPr>
+              <a:t>Pseudocode</a:t>
+            </a:r>
+            <a:r>
+              <a:rPr lang="en-US" sz="2400" i="1" dirty="0">
+                <a:latin typeface="Times New Roman"/>
+                <a:cs typeface="Times New Roman"/>
+              </a:rPr>
+              <a:t> for Unit Testing </a:t>
+            </a:r>
+            <a:r>
+              <a:rPr lang="en-US" sz="2400" i="1" dirty="0" smtClean="0">
+                <a:latin typeface="Times New Roman"/>
+                <a:cs typeface="Times New Roman"/>
+              </a:rPr>
+              <a:t>Framewor</a:t>
+            </a:r>
+            <a:r>
+              <a:rPr lang="en-US" sz="2400" i="1" dirty="0">
+                <a:latin typeface="Times New Roman"/>
+                <a:cs typeface="Times New Roman"/>
+              </a:rPr>
+              <a:t>k</a:t>
+            </a:r>
+            <a:endParaRPr lang="en-US" sz="2400" i="1" dirty="0">
+              <a:latin typeface="Times New Roman"/>
+              <a:cs typeface="Times New Roman"/>
+            </a:endParaRPr>
+          </a:p>
+        </p:txBody>
+      </p:sp>
     </p:spTree>
     <p:extLst>
       <p:ext uri="{BB962C8B-B14F-4D97-AF65-F5344CB8AC3E}">

--- a/documents/Final SURP 2015 poster.pptx
+++ b/documents/Final SURP 2015 poster.pptx
@@ -192,7 +192,7 @@
           <a:p>
             <a:fld id="{7E45BB78-8367-47C1-BF99-0979F8062E9C}" type="datetimeFigureOut">
               <a:rPr lang="en-US" smtClean="0"/>
-              <a:t>3/17/15</a:t>
+              <a:t>3/19/15</a:t>
             </a:fld>
             <a:endParaRPr lang="en-US"/>
           </a:p>
@@ -733,7 +733,7 @@
           <a:p>
             <a:fld id="{97F6B31B-AD68-2949-9F89-D2E164A9E897}" type="datetimeFigureOut">
               <a:rPr lang="en-US" smtClean="0"/>
-              <a:t>3/17/15</a:t>
+              <a:t>3/19/15</a:t>
             </a:fld>
             <a:endParaRPr lang="en-US"/>
           </a:p>
@@ -903,7 +903,7 @@
           <a:p>
             <a:fld id="{97F6B31B-AD68-2949-9F89-D2E164A9E897}" type="datetimeFigureOut">
               <a:rPr lang="en-US" smtClean="0"/>
-              <a:t>3/17/15</a:t>
+              <a:t>3/19/15</a:t>
             </a:fld>
             <a:endParaRPr lang="en-US"/>
           </a:p>
@@ -1083,7 +1083,7 @@
           <a:p>
             <a:fld id="{97F6B31B-AD68-2949-9F89-D2E164A9E897}" type="datetimeFigureOut">
               <a:rPr lang="en-US" smtClean="0"/>
-              <a:t>3/17/15</a:t>
+              <a:t>3/19/15</a:t>
             </a:fld>
             <a:endParaRPr lang="en-US"/>
           </a:p>
@@ -1253,7 +1253,7 @@
           <a:p>
             <a:fld id="{97F6B31B-AD68-2949-9F89-D2E164A9E897}" type="datetimeFigureOut">
               <a:rPr lang="en-US" smtClean="0"/>
-              <a:t>3/17/15</a:t>
+              <a:t>3/19/15</a:t>
             </a:fld>
             <a:endParaRPr lang="en-US"/>
           </a:p>
@@ -1499,7 +1499,7 @@
           <a:p>
             <a:fld id="{97F6B31B-AD68-2949-9F89-D2E164A9E897}" type="datetimeFigureOut">
               <a:rPr lang="en-US" smtClean="0"/>
-              <a:t>3/17/15</a:t>
+              <a:t>3/19/15</a:t>
             </a:fld>
             <a:endParaRPr lang="en-US"/>
           </a:p>
@@ -1787,7 +1787,7 @@
           <a:p>
             <a:fld id="{97F6B31B-AD68-2949-9F89-D2E164A9E897}" type="datetimeFigureOut">
               <a:rPr lang="en-US" smtClean="0"/>
-              <a:t>3/17/15</a:t>
+              <a:t>3/19/15</a:t>
             </a:fld>
             <a:endParaRPr lang="en-US"/>
           </a:p>
@@ -2214,7 +2214,7 @@
           <a:p>
             <a:fld id="{97F6B31B-AD68-2949-9F89-D2E164A9E897}" type="datetimeFigureOut">
               <a:rPr lang="en-US" smtClean="0"/>
-              <a:t>3/17/15</a:t>
+              <a:t>3/19/15</a:t>
             </a:fld>
             <a:endParaRPr lang="en-US"/>
           </a:p>
@@ -2332,7 +2332,7 @@
           <a:p>
             <a:fld id="{97F6B31B-AD68-2949-9F89-D2E164A9E897}" type="datetimeFigureOut">
               <a:rPr lang="en-US" smtClean="0"/>
-              <a:t>3/17/15</a:t>
+              <a:t>3/19/15</a:t>
             </a:fld>
             <a:endParaRPr lang="en-US"/>
           </a:p>
@@ -2427,7 +2427,7 @@
           <a:p>
             <a:fld id="{97F6B31B-AD68-2949-9F89-D2E164A9E897}" type="datetimeFigureOut">
               <a:rPr lang="en-US" smtClean="0"/>
-              <a:t>3/17/15</a:t>
+              <a:t>3/19/15</a:t>
             </a:fld>
             <a:endParaRPr lang="en-US"/>
           </a:p>
@@ -2704,7 +2704,7 @@
           <a:p>
             <a:fld id="{97F6B31B-AD68-2949-9F89-D2E164A9E897}" type="datetimeFigureOut">
               <a:rPr lang="en-US" smtClean="0"/>
-              <a:t>3/17/15</a:t>
+              <a:t>3/19/15</a:t>
             </a:fld>
             <a:endParaRPr lang="en-US"/>
           </a:p>
@@ -2957,7 +2957,7 @@
           <a:p>
             <a:fld id="{97F6B31B-AD68-2949-9F89-D2E164A9E897}" type="datetimeFigureOut">
               <a:rPr lang="en-US" smtClean="0"/>
-              <a:t>3/17/15</a:t>
+              <a:t>3/19/15</a:t>
             </a:fld>
             <a:endParaRPr lang="en-US"/>
           </a:p>
@@ -3170,7 +3170,7 @@
           <a:p>
             <a:fld id="{97F6B31B-AD68-2949-9F89-D2E164A9E897}" type="datetimeFigureOut">
               <a:rPr lang="en-US" smtClean="0"/>
-              <a:t>3/17/15</a:t>
+              <a:t>3/19/15</a:t>
             </a:fld>
             <a:endParaRPr lang="en-US"/>
           </a:p>
@@ -3786,60 +3786,6 @@
           </a:p>
         </p:txBody>
       </p:sp>
-      <p:pic>
-        <p:nvPicPr>
-          <p:cNvPr id="13" name="Picture 5" descr="Sc_EnvironmentalResponseTFNetwork_21genes-50weights.jpg"/>
-          <p:cNvPicPr>
-            <a:picLocks noChangeAspect="1"/>
-          </p:cNvPicPr>
-          <p:nvPr/>
-        </p:nvPicPr>
-        <p:blipFill>
-          <a:blip r:embed="rId4">
-            <a:extLst>
-              <a:ext uri="{28A0092B-C50C-407E-A947-70E740481C1C}">
-                <a14:useLocalDpi xmlns:a14="http://schemas.microsoft.com/office/drawing/2010/main" val="0"/>
-              </a:ext>
-            </a:extLst>
-          </a:blip>
-          <a:srcRect/>
-          <a:stretch>
-            <a:fillRect/>
-          </a:stretch>
-        </p:blipFill>
-        <p:spPr bwMode="auto">
-          <a:xfrm>
-            <a:off x="1408906" y="22928608"/>
-            <a:ext cx="8741741" cy="4685189"/>
-          </a:xfrm>
-          <a:prstGeom prst="rect">
-            <a:avLst/>
-          </a:prstGeom>
-          <a:noFill/>
-          <a:ln>
-            <a:noFill/>
-          </a:ln>
-          <a:extLst>
-            <a:ext uri="{909E8E84-426E-40dd-AFC4-6F175D3DCCD1}">
-              <a14:hiddenFill xmlns:a14="http://schemas.microsoft.com/office/drawing/2010/main">
-                <a:solidFill>
-                  <a:srgbClr val="FFFFFF"/>
-                </a:solidFill>
-              </a14:hiddenFill>
-            </a:ext>
-            <a:ext uri="{91240B29-F687-4f45-9708-019B960494DF}">
-              <a14:hiddenLine xmlns:a14="http://schemas.microsoft.com/office/drawing/2010/main" w="9525">
-                <a:solidFill>
-                  <a:srgbClr val="000000"/>
-                </a:solidFill>
-                <a:miter lim="800000"/>
-                <a:headEnd/>
-                <a:tailEnd/>
-              </a14:hiddenLine>
-            </a:ext>
-          </a:extLst>
-        </p:spPr>
-      </p:pic>
       <p:graphicFrame>
         <p:nvGraphicFramePr>
           <p:cNvPr id="27" name="Object 26"/>
@@ -3862,12 +3808,12 @@
           <a:graphicData uri="http://schemas.openxmlformats.org/presentationml/2006/ole">
             <mc:AlternateContent xmlns:mc="http://schemas.openxmlformats.org/markup-compatibility/2006">
               <mc:Choice xmlns:v="urn:schemas-microsoft-com:vml" Requires="v">
-                <p:oleObj spid="_x0000_s2342" name="Equation" r:id="rId5" imgW="1091880" imgH="393480" progId="Equation.3">
+                <p:oleObj spid="_x0000_s2355" name="Equation" r:id="rId4" imgW="1091880" imgH="393480" progId="Equation.3">
                   <p:embed/>
                 </p:oleObj>
               </mc:Choice>
               <mc:Fallback>
-                <p:oleObj name="Equation" r:id="rId5" imgW="1091880" imgH="393480" progId="Equation.3">
+                <p:oleObj name="Equation" r:id="rId4" imgW="1091880" imgH="393480" progId="Equation.3">
                   <p:embed/>
                   <p:pic>
                     <p:nvPicPr>
@@ -3876,7 +3822,7 @@
                       <p:nvPr/>
                     </p:nvPicPr>
                     <p:blipFill>
-                      <a:blip r:embed="rId6"/>
+                      <a:blip r:embed="rId5"/>
                       <a:stretch>
                         <a:fillRect/>
                       </a:stretch>
@@ -3919,12 +3865,12 @@
           <a:graphicData uri="http://schemas.openxmlformats.org/presentationml/2006/ole">
             <mc:AlternateContent xmlns:mc="http://schemas.openxmlformats.org/markup-compatibility/2006">
               <mc:Choice xmlns:v="urn:schemas-microsoft-com:vml" Requires="v">
-                <p:oleObj spid="_x0000_s2343" name="Equation" r:id="rId7" imgW="1930320" imgH="685800" progId="Equation.3">
+                <p:oleObj spid="_x0000_s2356" name="Equation" r:id="rId6" imgW="1930320" imgH="685800" progId="Equation.3">
                   <p:embed/>
                 </p:oleObj>
               </mc:Choice>
               <mc:Fallback>
-                <p:oleObj name="Equation" r:id="rId7" imgW="1930320" imgH="685800" progId="Equation.3">
+                <p:oleObj name="Equation" r:id="rId6" imgW="1930320" imgH="685800" progId="Equation.3">
                   <p:embed/>
                   <p:pic>
                     <p:nvPicPr>
@@ -3935,7 +3881,7 @@
                       <p:nvPr/>
                     </p:nvPicPr>
                     <p:blipFill>
-                      <a:blip r:embed="rId8"/>
+                      <a:blip r:embed="rId7"/>
                       <a:srcRect/>
                       <a:stretch>
                         <a:fillRect/>
@@ -3983,12 +3929,12 @@
           <a:graphicData uri="http://schemas.openxmlformats.org/presentationml/2006/ole">
             <mc:AlternateContent xmlns:mc="http://schemas.openxmlformats.org/markup-compatibility/2006">
               <mc:Choice xmlns:v="urn:schemas-microsoft-com:vml" Requires="v">
-                <p:oleObj spid="_x0000_s2344" name="Equation" r:id="rId9" imgW="3136680" imgH="736560" progId="Equation.3">
+                <p:oleObj spid="_x0000_s2357" name="Equation" r:id="rId8" imgW="3136680" imgH="736560" progId="Equation.3">
                   <p:embed/>
                 </p:oleObj>
               </mc:Choice>
               <mc:Fallback>
-                <p:oleObj name="Equation" r:id="rId9" imgW="3136680" imgH="736560" progId="Equation.3">
+                <p:oleObj name="Equation" r:id="rId8" imgW="3136680" imgH="736560" progId="Equation.3">
                   <p:embed/>
                   <p:pic>
                     <p:nvPicPr>
@@ -3999,7 +3945,7 @@
                       <p:nvPr/>
                     </p:nvPicPr>
                     <p:blipFill>
-                      <a:blip r:embed="rId10"/>
+                      <a:blip r:embed="rId9"/>
                       <a:srcRect/>
                       <a:stretch>
                         <a:fillRect/>
@@ -4501,22 +4447,14 @@
             </a:bodyPr>
             <a:lstStyle/>
             <a:p>
-              <a:pPr lvl="0" algn="just" defTabSz="914400"/>
+              <a:pPr lvl="0" defTabSz="914400"/>
               <a:r>
                 <a:rPr lang="en-US" sz="2400" dirty="0" smtClean="0">
                   <a:solidFill>
                     <a:prstClr val="black"/>
                   </a:solidFill>
                 </a:rPr>
-                <a:t>We would like </a:t>
-              </a:r>
-              <a:r>
-                <a:rPr lang="en-US" sz="2400" smtClean="0">
-                  <a:solidFill>
-                    <a:prstClr val="black"/>
-                  </a:solidFill>
-                </a:rPr>
-                <a:t>to thank Nicholas </a:t>
+                <a:t>We would like to thank Nicholas </a:t>
               </a:r>
               <a:r>
                 <a:rPr lang="en-US" sz="2400" dirty="0">
@@ -4620,7 +4558,23 @@
                     <a:prstClr val="black"/>
                   </a:solidFill>
                 </a:rPr>
-                <a:t>was supported by the Summer Undergraduate Research Program at Loyola Marymount University (N.S.C.), NSF-DMS award #0921038 (K.D.D</a:t>
+                <a:t>was supported by the Summer Undergraduate Research Program at Loyola Marymount University </a:t>
+              </a:r>
+              <a:r>
+                <a:rPr lang="en-US" sz="2400" dirty="0" smtClean="0">
+                  <a:solidFill>
+                    <a:prstClr val="black"/>
+                  </a:solidFill>
+                </a:rPr>
+                <a:t>(J.S.C</a:t>
+              </a:r>
+              <a:r>
+                <a:rPr lang="en-US" sz="2400" dirty="0">
+                  <a:solidFill>
+                    <a:prstClr val="black"/>
+                  </a:solidFill>
+                </a:rPr>
+                <a:t>.), NSF-DMS award #0921038 (K.D.D</a:t>
               </a:r>
               <a:r>
                 <a:rPr lang="en-US" sz="2400" dirty="0" smtClean="0">
@@ -4666,7 +4620,7 @@
         </p:nvSpPr>
         <p:spPr>
           <a:xfrm>
-            <a:off x="-80702" y="19674225"/>
+            <a:off x="-80702" y="19330985"/>
             <a:ext cx="11208366" cy="3046988"/>
           </a:xfrm>
           <a:prstGeom prst="rect">
@@ -4925,7 +4879,7 @@
         </p:nvSpPr>
         <p:spPr>
           <a:xfrm>
-            <a:off x="3383766" y="27611122"/>
+            <a:off x="3383766" y="27061938"/>
             <a:ext cx="5741605" cy="492443"/>
           </a:xfrm>
           <a:prstGeom prst="rect">
@@ -5128,7 +5082,6 @@
           </a:bodyPr>
           <a:lstStyle/>
           <a:p>
-            <a:pPr algn="just"/>
             <a:r>
               <a:rPr lang="en-US" sz="2400" dirty="0" smtClean="0"/>
               <a:t>In the Sigmoid model, </a:t>
@@ -5294,7 +5247,7 @@
           </a:bodyPr>
           <a:lstStyle/>
           <a:p>
-            <a:pPr marL="342900" lvl="1" indent="-342900" algn="just">
+            <a:pPr marL="342900" lvl="1" indent="-342900">
               <a:buFont typeface="Arial"/>
               <a:buChar char="•"/>
             </a:pPr>
@@ -5414,10 +5367,10 @@
         </p:nvGrpSpPr>
         <p:grpSpPr>
           <a:xfrm>
-            <a:off x="11559289" y="18320913"/>
-            <a:ext cx="10337734" cy="25179427"/>
+            <a:off x="11559290" y="18320913"/>
+            <a:ext cx="10337735" cy="25179427"/>
             <a:chOff x="29921705" y="2082446"/>
-            <a:chExt cx="13783646" cy="17888280"/>
+            <a:chExt cx="13783647" cy="17888280"/>
           </a:xfrm>
         </p:grpSpPr>
         <p:sp>
@@ -5585,7 +5538,7 @@
           </p:nvSpPr>
           <p:spPr>
             <a:xfrm>
-              <a:off x="30138417" y="3058465"/>
+              <a:off x="30138417" y="2765845"/>
               <a:ext cx="13257186" cy="3738991"/>
             </a:xfrm>
             <a:prstGeom prst="rect">
@@ -5610,7 +5563,15 @@
               </a:r>
               <a:r>
                 <a:rPr lang="en-US" sz="2400" dirty="0" smtClean="0"/>
-                <a:t>takes in its parameters directly from the spreadsheet. The spreadsheet (Figure 4) is expected to have the following information:</a:t>
+                <a:t>takes in its parameters directly from the spreadsheet. The spreadsheet (Figure </a:t>
+              </a:r>
+              <a:r>
+                <a:rPr lang="en-US" sz="2400" dirty="0" smtClean="0"/>
+                <a:t>2) </a:t>
+              </a:r>
+              <a:r>
+                <a:rPr lang="en-US" sz="2400" dirty="0" smtClean="0"/>
+                <a:t>is expected to have the following information:</a:t>
               </a:r>
             </a:p>
             <a:p>
@@ -5735,35 +5696,6 @@
             </a:p>
           </p:txBody>
         </p:sp>
-        <p:pic>
-          <p:nvPicPr>
-            <p:cNvPr id="20" name="Picture 19" descr="Modify Spreadsheet.JPG"/>
-            <p:cNvPicPr>
-              <a:picLocks noChangeAspect="1"/>
-            </p:cNvPicPr>
-            <p:nvPr/>
-          </p:nvPicPr>
-          <p:blipFill rotWithShape="1">
-            <a:blip r:embed="rId11">
-              <a:extLst>
-                <a:ext uri="{28A0092B-C50C-407E-A947-70E740481C1C}">
-                  <a14:useLocalDpi xmlns:a14="http://schemas.microsoft.com/office/drawing/2010/main" val="0"/>
-                </a:ext>
-              </a:extLst>
-            </a:blip>
-            <a:srcRect t="25484" r="44749" b="27878"/>
-            <a:stretch/>
-          </p:blipFill>
-          <p:spPr>
-            <a:xfrm>
-              <a:off x="30231778" y="7042421"/>
-              <a:ext cx="5908531" cy="3002500"/>
-            </a:xfrm>
-            <a:prstGeom prst="rect">
-              <a:avLst/>
-            </a:prstGeom>
-          </p:spPr>
-        </p:pic>
         <p:sp>
           <p:nvSpPr>
             <p:cNvPr id="24" name="TextBox 23"/>
@@ -5772,8 +5704,8 @@
           </p:nvSpPr>
           <p:spPr>
             <a:xfrm>
-              <a:off x="30138417" y="11585712"/>
-              <a:ext cx="13257186" cy="1454244"/>
+              <a:off x="30138417" y="12878117"/>
+              <a:ext cx="13257186" cy="1377523"/>
             </a:xfrm>
             <a:prstGeom prst="rect">
               <a:avLst/>
@@ -5786,7 +5718,7 @@
             </a:bodyPr>
             <a:lstStyle/>
             <a:p>
-              <a:pPr marL="342900" indent="-342900" algn="just">
+              <a:pPr marL="342900" indent="-342900">
                 <a:buFont typeface="Arial"/>
                 <a:buChar char="•"/>
               </a:pPr>
@@ -5800,7 +5732,19 @@
               </a:r>
               <a:r>
                 <a:rPr lang="en-US" sz="2400" dirty="0" smtClean="0"/>
-                <a:t> is run a dialog box will open to allow the user to select the spreadsheet(Figure 5). After </a:t>
+                <a:t> is run a dialog box will open to allow the user to select the spreadsheet(Figure </a:t>
+              </a:r>
+              <a:r>
+                <a:rPr lang="en-US" sz="2400" dirty="0"/>
+                <a:t>3</a:t>
+              </a:r>
+              <a:r>
+                <a:rPr lang="en-US" sz="2400" dirty="0" smtClean="0"/>
+                <a:t>)</a:t>
+              </a:r>
+              <a:r>
+                <a:rPr lang="en-US" sz="2400" dirty="0" smtClean="0"/>
+                <a:t>. After </a:t>
               </a:r>
               <a:r>
                 <a:rPr lang="en-US" sz="2400" dirty="0" err="1" smtClean="0"/>
@@ -5830,8 +5774,8 @@
           </p:nvSpPr>
           <p:spPr>
             <a:xfrm>
-              <a:off x="30392277" y="10331152"/>
-              <a:ext cx="5949130" cy="677828"/>
+              <a:off x="29921706" y="8756642"/>
+              <a:ext cx="13783644" cy="393578"/>
             </a:xfrm>
             <a:prstGeom prst="rect">
               <a:avLst/>
@@ -5844,6 +5788,7 @@
             </a:bodyPr>
             <a:lstStyle/>
             <a:p>
+              <a:pPr algn="ctr"/>
               <a:r>
                 <a:rPr lang="en-US" sz="3000" i="1" dirty="0">
                   <a:latin typeface="Times New Roman"/>
@@ -5856,30 +5801,14 @@
                   <a:latin typeface="Times New Roman"/>
                   <a:cs typeface="Times New Roman"/>
                 </a:rPr>
-                <a:t>re </a:t>
-              </a:r>
-              <a:r>
-                <a:rPr lang="en-US" sz="2600" i="1" dirty="0">
-                  <a:latin typeface="Times New Roman"/>
-                  <a:cs typeface="Times New Roman"/>
-                </a:rPr>
-                <a:t>2</a:t>
+                <a:t>re 2</a:t>
               </a:r>
               <a:r>
                 <a:rPr lang="en-US" sz="2600" i="1" dirty="0" smtClean="0">
                   <a:latin typeface="Times New Roman"/>
                   <a:cs typeface="Times New Roman"/>
                 </a:rPr>
-                <a:t>.  </a:t>
-              </a:r>
-            </a:p>
-            <a:p>
-              <a:r>
-                <a:rPr lang="en-US" sz="2600" i="1" dirty="0" smtClean="0">
-                  <a:latin typeface="Times New Roman"/>
-                  <a:cs typeface="Times New Roman"/>
-                </a:rPr>
-                <a:t>Optimization </a:t>
+                <a:t>. Optimization </a:t>
               </a:r>
               <a:r>
                 <a:rPr lang="en-US" sz="2600" i="1" dirty="0">
@@ -5902,36 +5831,6 @@
             </a:p>
           </p:txBody>
         </p:sp>
-        <p:pic>
-          <p:nvPicPr>
-            <p:cNvPr id="79" name="Picture 78" descr="Choose Excel Sheet.JPG"/>
-            <p:cNvPicPr>
-              <a:picLocks noChangeAspect="1"/>
-            </p:cNvPicPr>
-            <p:nvPr/>
-          </p:nvPicPr>
-          <p:blipFill>
-            <a:blip r:embed="rId12">
-              <a:extLst>
-                <a:ext uri="{28A0092B-C50C-407E-A947-70E740481C1C}">
-                  <a14:useLocalDpi xmlns:a14="http://schemas.microsoft.com/office/drawing/2010/main" val="0"/>
-                </a:ext>
-              </a:extLst>
-            </a:blip>
-            <a:stretch>
-              <a:fillRect/>
-            </a:stretch>
-          </p:blipFill>
-          <p:spPr>
-            <a:xfrm>
-              <a:off x="36889145" y="7042421"/>
-              <a:ext cx="6477462" cy="3646521"/>
-            </a:xfrm>
-            <a:prstGeom prst="rect">
-              <a:avLst/>
-            </a:prstGeom>
-          </p:spPr>
-        </p:pic>
         <p:sp>
           <p:nvSpPr>
             <p:cNvPr id="143" name="TextBox 142"/>
@@ -5940,8 +5839,8 @@
           </p:nvSpPr>
           <p:spPr>
             <a:xfrm>
-              <a:off x="36646207" y="10791649"/>
-              <a:ext cx="7059144" cy="634098"/>
+              <a:off x="29921706" y="12245875"/>
+              <a:ext cx="13783646" cy="349847"/>
             </a:xfrm>
             <a:prstGeom prst="rect">
               <a:avLst/>
@@ -5954,6 +5853,7 @@
             </a:bodyPr>
             <a:lstStyle/>
             <a:p>
+              <a:pPr algn="ctr"/>
               <a:r>
                 <a:rPr lang="en-US" sz="2600" i="1" dirty="0">
                   <a:latin typeface="Times New Roman"/>
@@ -5968,21 +5868,19 @@
                 </a:rPr>
                 <a:t>3. </a:t>
               </a:r>
-            </a:p>
-            <a:p>
               <a:r>
                 <a:rPr lang="en-US" sz="2600" i="1" dirty="0" smtClean="0">
                   <a:latin typeface="Times New Roman"/>
                   <a:cs typeface="Times New Roman"/>
                 </a:rPr>
-                <a:t> </a:t>
+                <a:t> Dialog </a:t>
               </a:r>
               <a:r>
                 <a:rPr lang="en-US" sz="2600" i="1" dirty="0">
                   <a:latin typeface="Times New Roman"/>
                   <a:cs typeface="Times New Roman"/>
                 </a:rPr>
-                <a:t>Dialog Box for </a:t>
+                <a:t>Box for </a:t>
               </a:r>
               <a:r>
                 <a:rPr lang="en-US" sz="2600" i="1" dirty="0" smtClean="0">
@@ -5998,36 +5896,6 @@
             </a:p>
           </p:txBody>
         </p:sp>
-        <p:pic>
-          <p:nvPicPr>
-            <p:cNvPr id="115" name="Picture 114" descr="figure_1.jpg"/>
-            <p:cNvPicPr>
-              <a:picLocks noChangeAspect="1"/>
-            </p:cNvPicPr>
-            <p:nvPr/>
-          </p:nvPicPr>
-          <p:blipFill>
-            <a:blip r:embed="rId13">
-              <a:extLst>
-                <a:ext uri="{28A0092B-C50C-407E-A947-70E740481C1C}">
-                  <a14:useLocalDpi xmlns:a14="http://schemas.microsoft.com/office/drawing/2010/main" val="0"/>
-                </a:ext>
-              </a:extLst>
-            </a:blip>
-            <a:stretch>
-              <a:fillRect/>
-            </a:stretch>
-          </p:blipFill>
-          <p:spPr>
-            <a:xfrm>
-              <a:off x="33508520" y="13138499"/>
-              <a:ext cx="7103324" cy="4209598"/>
-            </a:xfrm>
-            <a:prstGeom prst="rect">
-              <a:avLst/>
-            </a:prstGeom>
-          </p:spPr>
-        </p:pic>
         <p:sp>
           <p:nvSpPr>
             <p:cNvPr id="185" name="TextBox 184"/>
@@ -6036,8 +5904,8 @@
           </p:nvSpPr>
           <p:spPr>
             <a:xfrm>
-              <a:off x="33186044" y="17472295"/>
-              <a:ext cx="6941832" cy="677828"/>
+              <a:off x="29921705" y="17913273"/>
+              <a:ext cx="13783646" cy="393577"/>
             </a:xfrm>
             <a:prstGeom prst="rect">
               <a:avLst/>
@@ -6050,6 +5918,7 @@
             </a:bodyPr>
             <a:lstStyle/>
             <a:p>
+              <a:pPr algn="ctr"/>
               <a:r>
                 <a:rPr lang="en-US" sz="3000" i="1" dirty="0">
                   <a:latin typeface="Times New Roman"/>
@@ -6071,8 +5940,6 @@
                 </a:rPr>
                 <a:t>4.  </a:t>
               </a:r>
-            </a:p>
-            <a:p>
               <a:r>
                 <a:rPr lang="en-US" sz="2600" i="1" dirty="0" smtClean="0">
                   <a:latin typeface="Times New Roman"/>
@@ -6085,14 +5952,7 @@
                   <a:latin typeface="Times New Roman"/>
                   <a:cs typeface="Times New Roman"/>
                 </a:rPr>
-                <a:t>of plot generated </a:t>
-              </a:r>
-              <a:r>
-                <a:rPr lang="en-US" sz="2600" i="1" dirty="0" smtClean="0">
-                  <a:latin typeface="Times New Roman"/>
-                  <a:cs typeface="Times New Roman"/>
-                </a:rPr>
-                <a:t>by </a:t>
+                <a:t>of plot generated by </a:t>
               </a:r>
               <a:r>
                 <a:rPr lang="en-US" sz="2600" i="1" dirty="0" err="1" smtClean="0">
@@ -6315,7 +6175,6 @@
                 <a:rPr lang="en-US" sz="2400" dirty="0" smtClean="0"/>
                 <a:t>Unit testing is currently being developed, which will allow future development to be done faster and ensure correctness.</a:t>
               </a:r>
-              <a:endParaRPr lang="en-US" sz="2400" dirty="0" smtClean="0"/>
             </a:p>
             <a:p>
               <a:pPr marL="342900" indent="-342900">
@@ -6443,7 +6302,15 @@
                 <a:ea typeface="+mj-ea"/>
                 <a:cs typeface="+mj-cs"/>
               </a:rPr>
-              <a:t>,Trixie Anne Roque</a:t>
+              <a:t>, Trixie </a:t>
+            </a:r>
+            <a:r>
+              <a:rPr lang="en-US" sz="3600" b="1" dirty="0" smtClean="0">
+                <a:latin typeface="+mj-lt"/>
+                <a:ea typeface="+mj-ea"/>
+                <a:cs typeface="+mj-cs"/>
+              </a:rPr>
+              <a:t>Anne Roque</a:t>
             </a:r>
             <a:r>
               <a:rPr lang="en-US" sz="3600" b="1" baseline="30000" dirty="0" smtClean="0">
@@ -6518,24 +6385,12 @@
               <a:t>Fitzpatrick</a:t>
             </a:r>
             <a:r>
-              <a:rPr lang="en-US" sz="3600" b="1" baseline="30000" dirty="0">
+              <a:rPr lang="en-US" sz="3600" b="1" baseline="30000" dirty="0" smtClean="0">
                 <a:latin typeface="+mj-lt"/>
                 <a:ea typeface="+mj-ea"/>
                 <a:cs typeface="+mj-cs"/>
               </a:rPr>
               <a:t>3</a:t>
-            </a:r>
-            <a:r>
-              <a:rPr lang="en-US" sz="3600" b="1" dirty="0" smtClean="0">
-                <a:latin typeface="+mj-lt"/>
-                <a:ea typeface="+mj-ea"/>
-                <a:cs typeface="+mj-cs"/>
-              </a:rPr>
-              <a:t>.</a:t>
-            </a:r>
-            <a:r>
-              <a:rPr lang="en-US" sz="3600" dirty="0" smtClean="0"/>
-              <a:t> </a:t>
             </a:r>
             <a:endParaRPr lang="en-US" sz="3600" dirty="0"/>
           </a:p>
@@ -6605,8 +6460,13 @@
             </a:r>
             <a:r>
               <a:rPr lang="en-US" sz="3600" dirty="0"/>
-              <a:t>Marymount University, 1 LMU Drive, Los Angeles, CA 90045 USA. </a:t>
-            </a:r>
+              <a:t>Marymount University, 1 LMU Drive, Los Angeles, CA 90045 </a:t>
+            </a:r>
+            <a:r>
+              <a:rPr lang="en-US" sz="3600" dirty="0" smtClean="0"/>
+              <a:t>USA </a:t>
+            </a:r>
+            <a:endParaRPr lang="en-US" sz="3600" dirty="0"/>
           </a:p>
         </p:txBody>
       </p:sp>
@@ -6870,7 +6730,7 @@
               </a:r>
               <a:r>
                 <a:rPr lang="en-US" sz="2400" dirty="0">
-                  <a:hlinkClick r:id="rId14"/>
+                  <a:hlinkClick r:id="rId10"/>
                 </a:rPr>
                 <a:t>http://kdahlquist.github.io/GRNmap/</a:t>
               </a:r>
@@ -7080,7 +6940,7 @@
           <p:nvPr/>
         </p:nvPicPr>
         <p:blipFill>
-          <a:blip r:embed="rId15">
+          <a:blip r:embed="rId11">
             <a:extLst>
               <a:ext uri="{28A0092B-C50C-407E-A947-70E740481C1C}">
                 <a14:useLocalDpi xmlns:a14="http://schemas.microsoft.com/office/drawing/2010/main" val="0"/>
@@ -7123,7 +6983,6 @@
           </a:bodyPr>
           <a:lstStyle/>
           <a:p>
-            <a:pPr algn="just"/>
             <a:r>
               <a:rPr lang="en-US" sz="2400" dirty="0"/>
               <a:t>In order to efficiently and effectively maintain the MATLAB package, a unit testing framework is created. Unit testing, a method for checking whether individual units of a software program function as intended, ensures that every change we make to the code does not affect its functionality. </a:t>
@@ -7140,7 +6999,6 @@
               <a:rPr lang="en-US" sz="2400" dirty="0" smtClean="0"/>
               <a:t>.</a:t>
             </a:r>
-            <a:endParaRPr lang="en-US" sz="2400" dirty="0" smtClean="0"/>
           </a:p>
         </p:txBody>
       </p:sp>
@@ -7354,10 +7212,6 @@
               </a:rPr>
               <a:t>END</a:t>
             </a:r>
-            <a:endParaRPr lang="en-US" sz="2200" dirty="0">
-              <a:latin typeface="Consolas"/>
-              <a:cs typeface="Consolas"/>
-            </a:endParaRPr>
           </a:p>
         </p:txBody>
       </p:sp>
@@ -7425,13 +7279,193 @@
               </a:rPr>
               <a:t>k</a:t>
             </a:r>
-            <a:endParaRPr lang="en-US" sz="2400" i="1" dirty="0">
-              <a:latin typeface="Times New Roman"/>
-              <a:cs typeface="Times New Roman"/>
-            </a:endParaRPr>
-          </a:p>
-        </p:txBody>
-      </p:sp>
+          </a:p>
+        </p:txBody>
+      </p:sp>
+      <p:sp>
+        <p:nvSpPr>
+          <p:cNvPr id="19" name="TextBox 18"/>
+          <p:cNvSpPr txBox="1"/>
+          <p:nvPr/>
+        </p:nvSpPr>
+        <p:spPr>
+          <a:xfrm>
+            <a:off x="11912218" y="41547217"/>
+            <a:ext cx="9730747" cy="1569660"/>
+          </a:xfrm>
+          <a:prstGeom prst="rect">
+            <a:avLst/>
+          </a:prstGeom>
+          <a:noFill/>
+        </p:spPr>
+        <p:txBody>
+          <a:bodyPr wrap="square" rtlCol="0">
+            <a:spAutoFit/>
+          </a:bodyPr>
+          <a:lstStyle/>
+          <a:p>
+            <a:pPr marL="342900" indent="-342900">
+              <a:buFont typeface="Arial"/>
+              <a:buChar char="•"/>
+            </a:pPr>
+            <a:r>
+              <a:rPr lang="en-US" sz="2400" dirty="0"/>
+              <a:t>To see </a:t>
+            </a:r>
+            <a:r>
+              <a:rPr lang="en-US" sz="2400" dirty="0" err="1"/>
+              <a:t>GRNmap</a:t>
+            </a:r>
+            <a:r>
+              <a:rPr lang="en-US" sz="2400" dirty="0"/>
+              <a:t> applied to some problems of network selection, please see the poster "Comparing the Dynamics of the Cold Shock Gene Regulatory Network in Yeast with a Random Network" by Johnson and Williams.</a:t>
+            </a:r>
+          </a:p>
+        </p:txBody>
+      </p:sp>
+      <p:pic>
+        <p:nvPicPr>
+          <p:cNvPr id="71" name="Picture 5" descr="Sc_EnvironmentalResponseTFNetwork_21genes-50weights.jpg"/>
+          <p:cNvPicPr>
+            <a:picLocks noChangeAspect="1"/>
+          </p:cNvPicPr>
+          <p:nvPr/>
+        </p:nvPicPr>
+        <p:blipFill>
+          <a:blip r:embed="rId12">
+            <a:extLst>
+              <a:ext uri="{28A0092B-C50C-407E-A947-70E740481C1C}">
+                <a14:useLocalDpi xmlns:a14="http://schemas.microsoft.com/office/drawing/2010/main" val="0"/>
+              </a:ext>
+            </a:extLst>
+          </a:blip>
+          <a:srcRect/>
+          <a:stretch>
+            <a:fillRect/>
+          </a:stretch>
+        </p:blipFill>
+        <p:spPr bwMode="auto">
+          <a:xfrm>
+            <a:off x="619796" y="22981626"/>
+            <a:ext cx="10233455" cy="3812119"/>
+          </a:xfrm>
+          <a:prstGeom prst="rect">
+            <a:avLst/>
+          </a:prstGeom>
+          <a:noFill/>
+          <a:ln>
+            <a:noFill/>
+          </a:ln>
+          <a:extLst>
+            <a:ext uri="{909E8E84-426E-40dd-AFC4-6F175D3DCCD1}">
+              <a14:hiddenFill xmlns:a14="http://schemas.microsoft.com/office/drawing/2010/main">
+                <a:solidFill>
+                  <a:srgbClr val="FFFFFF"/>
+                </a:solidFill>
+              </a14:hiddenFill>
+            </a:ext>
+            <a:ext uri="{91240B29-F687-4f45-9708-019B960494DF}">
+              <a14:hiddenLine xmlns:a14="http://schemas.microsoft.com/office/drawing/2010/main" w="9525">
+                <a:solidFill>
+                  <a:srgbClr val="000000"/>
+                </a:solidFill>
+                <a:miter lim="800000"/>
+                <a:headEnd/>
+                <a:tailEnd/>
+              </a14:hiddenLine>
+            </a:ext>
+          </a:extLst>
+        </p:spPr>
+      </p:pic>
+      <p:pic>
+        <p:nvPicPr>
+          <p:cNvPr id="72" name="Picture 71" descr="Modify Spreadsheet.JPG"/>
+          <p:cNvPicPr>
+            <a:picLocks noChangeAspect="1"/>
+          </p:cNvPicPr>
+          <p:nvPr/>
+        </p:nvPicPr>
+        <p:blipFill rotWithShape="1">
+          <a:blip r:embed="rId13">
+            <a:extLst>
+              <a:ext uri="{28A0092B-C50C-407E-A947-70E740481C1C}">
+                <a14:useLocalDpi xmlns:a14="http://schemas.microsoft.com/office/drawing/2010/main" val="0"/>
+              </a:ext>
+            </a:extLst>
+          </a:blip>
+          <a:srcRect t="25484" r="44749" b="27878"/>
+          <a:stretch/>
+        </p:blipFill>
+        <p:spPr>
+          <a:xfrm>
+            <a:off x="13679943" y="24620555"/>
+            <a:ext cx="6126018" cy="3113019"/>
+          </a:xfrm>
+          <a:prstGeom prst="rect">
+            <a:avLst/>
+          </a:prstGeom>
+        </p:spPr>
+      </p:pic>
+      <p:pic>
+        <p:nvPicPr>
+          <p:cNvPr id="73" name="Picture 72" descr="Choose Excel Sheet.JPG"/>
+          <p:cNvPicPr>
+            <a:picLocks noChangeAspect="1"/>
+          </p:cNvPicPr>
+          <p:nvPr/>
+        </p:nvPicPr>
+        <p:blipFill>
+          <a:blip r:embed="rId14">
+            <a:extLst>
+              <a:ext uri="{28A0092B-C50C-407E-A947-70E740481C1C}">
+                <a14:useLocalDpi xmlns:a14="http://schemas.microsoft.com/office/drawing/2010/main" val="0"/>
+              </a:ext>
+            </a:extLst>
+          </a:blip>
+          <a:stretch>
+            <a:fillRect/>
+          </a:stretch>
+        </p:blipFill>
+        <p:spPr>
+          <a:xfrm>
+            <a:off x="13049467" y="28604414"/>
+            <a:ext cx="7145285" cy="4022476"/>
+          </a:xfrm>
+          <a:prstGeom prst="rect">
+            <a:avLst/>
+          </a:prstGeom>
+        </p:spPr>
+      </p:pic>
+      <p:pic>
+        <p:nvPicPr>
+          <p:cNvPr id="74" name="Picture 73" descr="figure_1.jpg"/>
+          <p:cNvPicPr>
+            <a:picLocks noChangeAspect="1"/>
+          </p:cNvPicPr>
+          <p:nvPr/>
+        </p:nvPicPr>
+        <p:blipFill>
+          <a:blip r:embed="rId15">
+            <a:extLst>
+              <a:ext uri="{28A0092B-C50C-407E-A947-70E740481C1C}">
+                <a14:useLocalDpi xmlns:a14="http://schemas.microsoft.com/office/drawing/2010/main" val="0"/>
+              </a:ext>
+            </a:extLst>
+          </a:blip>
+          <a:stretch>
+            <a:fillRect/>
+          </a:stretch>
+        </p:blipFill>
+        <p:spPr>
+          <a:xfrm>
+            <a:off x="13541941" y="35654522"/>
+            <a:ext cx="6504302" cy="4878227"/>
+          </a:xfrm>
+          <a:prstGeom prst="rect">
+            <a:avLst/>
+          </a:prstGeom>
+        </p:spPr>
+      </p:pic>
     </p:spTree>
     <p:extLst>
       <p:ext uri="{BB962C8B-B14F-4D97-AF65-F5344CB8AC3E}">

--- a/documents/Final SURP 2015 poster.pptx
+++ b/documents/Final SURP 2015 poster.pptx
@@ -3553,8 +3553,8 @@
         </p:nvSpPr>
         <p:spPr>
           <a:xfrm>
-            <a:off x="22130914" y="18675130"/>
-            <a:ext cx="10701840" cy="7957442"/>
+            <a:off x="22130914" y="18401191"/>
+            <a:ext cx="10701840" cy="8231381"/>
           </a:xfrm>
           <a:prstGeom prst="roundRect">
             <a:avLst>
@@ -3737,8 +3737,8 @@
         </p:nvSpPr>
         <p:spPr>
           <a:xfrm>
-            <a:off x="1829043" y="-372533"/>
-            <a:ext cx="29687575" cy="1930400"/>
+            <a:off x="127658" y="-235237"/>
+            <a:ext cx="32672491" cy="1930400"/>
           </a:xfrm>
         </p:spPr>
         <p:txBody>
@@ -3748,10 +3748,26 @@
           <a:lstStyle/>
           <a:p>
             <a:r>
-              <a:rPr lang="en-US" sz="5600" b="1" dirty="0" smtClean="0"/>
-              <a:t>GRN Working Title</a:t>
-            </a:r>
-            <a:endParaRPr lang="en-US" sz="5600" dirty="0"/>
+              <a:rPr lang="en-US" sz="5200" b="1" dirty="0" smtClean="0"/>
+              <a:t>Software </a:t>
+            </a:r>
+            <a:r>
+              <a:rPr lang="en-US" sz="5200" b="1" dirty="0"/>
+              <a:t>Refactoring and Usability Enhancement for </a:t>
+            </a:r>
+            <a:r>
+              <a:rPr lang="en-US" sz="5200" b="1" dirty="0" err="1"/>
+              <a:t>GRNmap</a:t>
+            </a:r>
+            <a:r>
+              <a:rPr lang="en-US" sz="5200" b="1" dirty="0"/>
+              <a:t>, a Gene Regulatory Network Modeling </a:t>
+            </a:r>
+            <a:r>
+              <a:rPr lang="en-US" sz="5200" b="1" dirty="0" smtClean="0"/>
+              <a:t>Application</a:t>
+            </a:r>
+            <a:endParaRPr lang="en-US" sz="5200" b="1" dirty="0"/>
           </a:p>
         </p:txBody>
       </p:sp>
@@ -3808,7 +3824,7 @@
           <a:graphicData uri="http://schemas.openxmlformats.org/presentationml/2006/ole">
             <mc:AlternateContent xmlns:mc="http://schemas.openxmlformats.org/markup-compatibility/2006">
               <mc:Choice xmlns:v="urn:schemas-microsoft-com:vml" Requires="v">
-                <p:oleObj spid="_x0000_s2355" name="Equation" r:id="rId4" imgW="1091880" imgH="393480" progId="Equation.3">
+                <p:oleObj spid="_x0000_s2370" name="Equation" r:id="rId4" imgW="1091880" imgH="393480" progId="Equation.3">
                   <p:embed/>
                 </p:oleObj>
               </mc:Choice>
@@ -3865,7 +3881,7 @@
           <a:graphicData uri="http://schemas.openxmlformats.org/presentationml/2006/ole">
             <mc:AlternateContent xmlns:mc="http://schemas.openxmlformats.org/markup-compatibility/2006">
               <mc:Choice xmlns:v="urn:schemas-microsoft-com:vml" Requires="v">
-                <p:oleObj spid="_x0000_s2356" name="Equation" r:id="rId6" imgW="1930320" imgH="685800" progId="Equation.3">
+                <p:oleObj spid="_x0000_s2371" name="Equation" r:id="rId6" imgW="1930320" imgH="685800" progId="Equation.3">
                   <p:embed/>
                 </p:oleObj>
               </mc:Choice>
@@ -3929,7 +3945,7 @@
           <a:graphicData uri="http://schemas.openxmlformats.org/presentationml/2006/ole">
             <mc:AlternateContent xmlns:mc="http://schemas.openxmlformats.org/markup-compatibility/2006">
               <mc:Choice xmlns:v="urn:schemas-microsoft-com:vml" Requires="v">
-                <p:oleObj spid="_x0000_s2357" name="Equation" r:id="rId8" imgW="3136680" imgH="736560" progId="Equation.3">
+                <p:oleObj spid="_x0000_s2372" name="Equation" r:id="rId8" imgW="3136680" imgH="736560" progId="Equation.3">
                   <p:embed/>
                 </p:oleObj>
               </mc:Choice>
@@ -3979,7 +3995,7 @@
         </p:nvSpPr>
         <p:spPr>
           <a:xfrm>
-            <a:off x="1829043" y="33818549"/>
+            <a:off x="2083050" y="33818549"/>
             <a:ext cx="2028897" cy="477054"/>
           </a:xfrm>
           <a:prstGeom prst="rect">
@@ -4018,7 +4034,7 @@
         </p:nvSpPr>
         <p:spPr>
           <a:xfrm>
-            <a:off x="7618065" y="33899859"/>
+            <a:off x="7900295" y="33843417"/>
             <a:ext cx="2061670" cy="477054"/>
           </a:xfrm>
           <a:prstGeom prst="rect">
@@ -4061,10 +4077,10 @@
         </p:nvGrpSpPr>
         <p:grpSpPr>
           <a:xfrm>
-            <a:off x="22152256" y="34552161"/>
-            <a:ext cx="10626757" cy="4424633"/>
-            <a:chOff x="29492868" y="23646804"/>
-            <a:chExt cx="14169010" cy="3318475"/>
+            <a:off x="22152256" y="33023554"/>
+            <a:ext cx="10626757" cy="5954350"/>
+            <a:chOff x="29492868" y="22500509"/>
+            <a:chExt cx="14169010" cy="4465797"/>
           </a:xfrm>
         </p:grpSpPr>
         <p:sp>
@@ -4075,8 +4091,8 @@
           </p:nvSpPr>
           <p:spPr>
             <a:xfrm>
-              <a:off x="29492868" y="23914750"/>
-              <a:ext cx="14169010" cy="3050529"/>
+              <a:off x="29492868" y="22768462"/>
+              <a:ext cx="14169010" cy="4040451"/>
             </a:xfrm>
             <a:prstGeom prst="roundRect">
               <a:avLst>
@@ -4126,7 +4142,7 @@
           </p:nvSpPr>
           <p:spPr>
             <a:xfrm>
-              <a:off x="29492871" y="23646804"/>
+              <a:off x="29492871" y="22500509"/>
               <a:ext cx="14169007" cy="908362"/>
             </a:xfrm>
             <a:prstGeom prst="roundRect">
@@ -4166,7 +4182,7 @@
           </p:nvSpPr>
           <p:spPr>
             <a:xfrm>
-              <a:off x="30757570" y="23646804"/>
+              <a:off x="30757569" y="22710394"/>
               <a:ext cx="11810146" cy="530915"/>
             </a:xfrm>
             <a:prstGeom prst="rect">
@@ -4197,8 +4213,8 @@
           </p:nvSpPr>
           <p:spPr>
             <a:xfrm>
-              <a:off x="30138418" y="24719304"/>
-              <a:ext cx="12986848" cy="1731243"/>
+              <a:off x="29650493" y="23573043"/>
+              <a:ext cx="13967911" cy="3393263"/>
             </a:xfrm>
             <a:prstGeom prst="rect">
               <a:avLst/>
@@ -4225,7 +4241,15 @@
               </a:r>
               <a:r>
                 <a:rPr lang="en-US" sz="2400" dirty="0" smtClean="0"/>
-                <a:t> more accessible by possibly including radio buttons and check boxes in Excel rather than typing values in cells.</a:t>
+                <a:t> more accessible by </a:t>
+              </a:r>
+              <a:r>
+                <a:rPr lang="en-US" sz="2400" dirty="0" smtClean="0"/>
+                <a:t>including </a:t>
+              </a:r>
+              <a:r>
+                <a:rPr lang="en-US" sz="2400" dirty="0" smtClean="0"/>
+                <a:t>radio buttons and check boxes in Excel rather than typing values in cells.</a:t>
               </a:r>
             </a:p>
             <a:p>
@@ -4284,6 +4308,36 @@
                 <a:rPr lang="en-US" sz="2400" dirty="0" smtClean="0"/>
                 <a:t>.</a:t>
               </a:r>
+            </a:p>
+            <a:p>
+              <a:pPr marL="342900" lvl="0" indent="-342900">
+                <a:buFont typeface="Arial"/>
+                <a:buChar char="•"/>
+              </a:pPr>
+              <a:endParaRPr lang="en-US" sz="2400" dirty="0" smtClean="0"/>
+            </a:p>
+            <a:p>
+              <a:pPr marL="342900" indent="-342900">
+                <a:buFont typeface="Arial"/>
+                <a:buChar char="•"/>
+              </a:pPr>
+              <a:r>
+                <a:rPr lang="en-US" sz="2400" dirty="0"/>
+                <a:t>Implementing the unit testing framework will accelerate model improvement and scientific inquiry by streamlining the verification, validation, and assurance process.</a:t>
+              </a:r>
+            </a:p>
+            <a:p>
+              <a:pPr marL="342900" lvl="0" indent="-342900">
+                <a:buFont typeface="Arial"/>
+                <a:buChar char="•"/>
+              </a:pPr>
+              <a:endParaRPr lang="en-US" sz="2400" dirty="0" smtClean="0"/>
+            </a:p>
+            <a:p>
+              <a:pPr marL="342900" lvl="0" indent="-342900">
+                <a:buFont typeface="Arial"/>
+                <a:buChar char="•"/>
+              </a:pPr>
               <a:endParaRPr lang="en-US" sz="2400" dirty="0"/>
             </a:p>
           </p:txBody>
@@ -4297,10 +4351,10 @@
         </p:nvGrpSpPr>
         <p:grpSpPr>
           <a:xfrm>
-            <a:off x="22283197" y="39139710"/>
-            <a:ext cx="10495817" cy="4243489"/>
-            <a:chOff x="29710928" y="28440382"/>
-            <a:chExt cx="13994423" cy="3182617"/>
+            <a:off x="22130915" y="38924453"/>
+            <a:ext cx="10648103" cy="4458748"/>
+            <a:chOff x="29507882" y="28278937"/>
+            <a:chExt cx="14197470" cy="3344061"/>
           </a:xfrm>
         </p:grpSpPr>
         <p:sp>
@@ -4311,8 +4365,8 @@
           </p:nvSpPr>
           <p:spPr>
             <a:xfrm>
-              <a:off x="29710928" y="28465782"/>
-              <a:ext cx="13950950" cy="3157217"/>
+              <a:off x="29536339" y="28657071"/>
+              <a:ext cx="14125540" cy="2965927"/>
             </a:xfrm>
             <a:prstGeom prst="roundRect">
               <a:avLst>
@@ -4362,8 +4416,8 @@
           </p:nvSpPr>
           <p:spPr>
             <a:xfrm>
-              <a:off x="29710928" y="28440382"/>
-              <a:ext cx="13994423" cy="908362"/>
+              <a:off x="29507882" y="28278937"/>
+              <a:ext cx="14197470" cy="908362"/>
             </a:xfrm>
             <a:prstGeom prst="roundRect">
               <a:avLst>
@@ -4879,8 +4933,8 @@
         </p:nvSpPr>
         <p:spPr>
           <a:xfrm>
-            <a:off x="3383766" y="27061938"/>
-            <a:ext cx="5741605" cy="492443"/>
+            <a:off x="243684" y="27061938"/>
+            <a:ext cx="11052656" cy="492443"/>
           </a:xfrm>
           <a:prstGeom prst="rect">
             <a:avLst/>
@@ -4893,6 +4947,7 @@
           </a:bodyPr>
           <a:lstStyle/>
           <a:p>
+            <a:pPr algn="ctr"/>
             <a:r>
               <a:rPr lang="en-US" sz="2600" i="1" dirty="0" smtClean="0">
                 <a:latin typeface="Times New Roman"/>
@@ -5367,8 +5422,8 @@
         </p:nvGrpSpPr>
         <p:grpSpPr>
           <a:xfrm>
-            <a:off x="11559290" y="18320913"/>
-            <a:ext cx="10337735" cy="25179427"/>
+            <a:off x="11559290" y="18320912"/>
+            <a:ext cx="10337735" cy="25179429"/>
             <a:chOff x="29921705" y="2082446"/>
             <a:chExt cx="13783647" cy="17888280"/>
           </a:xfrm>
@@ -5464,7 +5519,7 @@
           <p:spPr>
             <a:xfrm>
               <a:off x="29921705" y="2082446"/>
-              <a:ext cx="13783646" cy="636681"/>
+              <a:ext cx="13783646" cy="557361"/>
             </a:xfrm>
             <a:prstGeom prst="roundRect">
               <a:avLst>
@@ -5503,7 +5558,7 @@
           </p:nvSpPr>
           <p:spPr>
             <a:xfrm>
-              <a:off x="30757569" y="2101140"/>
+              <a:off x="30757569" y="2095358"/>
               <a:ext cx="11810146" cy="530915"/>
             </a:xfrm>
             <a:prstGeom prst="rect">
@@ -5704,7 +5759,7 @@
           </p:nvSpPr>
           <p:spPr>
             <a:xfrm>
-              <a:off x="30138417" y="12878117"/>
+              <a:off x="30138417" y="13022477"/>
               <a:ext cx="13257186" cy="1377523"/>
             </a:xfrm>
             <a:prstGeom prst="rect">
@@ -5774,7 +5829,7 @@
           </p:nvSpPr>
           <p:spPr>
             <a:xfrm>
-              <a:off x="29921706" y="8756642"/>
+              <a:off x="29921706" y="9153632"/>
               <a:ext cx="13783644" cy="393578"/>
             </a:xfrm>
             <a:prstGeom prst="rect">
@@ -5839,7 +5894,7 @@
           </p:nvSpPr>
           <p:spPr>
             <a:xfrm>
-              <a:off x="29921706" y="12245875"/>
+              <a:off x="29921706" y="12516550"/>
               <a:ext cx="13783646" cy="349847"/>
             </a:xfrm>
             <a:prstGeom prst="rect">
@@ -5904,7 +5959,7 @@
           </p:nvSpPr>
           <p:spPr>
             <a:xfrm>
-              <a:off x="29921705" y="17913273"/>
+              <a:off x="29921705" y="18093723"/>
               <a:ext cx="13783646" cy="393577"/>
             </a:xfrm>
             <a:prstGeom prst="rect">
@@ -5984,10 +6039,10 @@
         </p:nvGrpSpPr>
         <p:grpSpPr>
           <a:xfrm>
-            <a:off x="22152257" y="26808286"/>
-            <a:ext cx="10594161" cy="7547757"/>
+            <a:off x="22152257" y="26808287"/>
+            <a:ext cx="10594161" cy="6179548"/>
             <a:chOff x="29423917" y="21229336"/>
-            <a:chExt cx="14125545" cy="5660818"/>
+            <a:chExt cx="14125545" cy="4634661"/>
           </a:xfrm>
         </p:grpSpPr>
         <p:sp>
@@ -5999,7 +6054,7 @@
           <p:spPr>
             <a:xfrm>
               <a:off x="29423917" y="21424374"/>
-              <a:ext cx="14125535" cy="5465780"/>
+              <a:ext cx="14125534" cy="4302788"/>
             </a:xfrm>
             <a:prstGeom prst="roundRect">
               <a:avLst>
@@ -6120,8 +6175,8 @@
           </p:nvSpPr>
           <p:spPr>
             <a:xfrm>
-              <a:off x="30094945" y="22161197"/>
-              <a:ext cx="12986848" cy="4270400"/>
+              <a:off x="30094945" y="21870596"/>
+              <a:ext cx="12986848" cy="3993401"/>
             </a:xfrm>
             <a:prstGeom prst="rect">
               <a:avLst/>
@@ -6172,8 +6227,8 @@
                 <a:buChar char="•"/>
               </a:pPr>
               <a:r>
-                <a:rPr lang="en-US" sz="2400" dirty="0" smtClean="0"/>
-                <a:t>Unit testing is currently being developed, which will allow future development to be done faster and ensure correctness.</a:t>
+                <a:rPr lang="en-US" sz="2400" dirty="0"/>
+                <a:t>Unit testing is in the early stages of design and development.</a:t>
               </a:r>
             </a:p>
             <a:p>
@@ -6257,7 +6312,7 @@
         </p:nvSpPr>
         <p:spPr>
           <a:xfrm>
-            <a:off x="8648900" y="1041459"/>
+            <a:off x="8648900" y="1281727"/>
             <a:ext cx="17907000" cy="646331"/>
           </a:xfrm>
           <a:prstGeom prst="rect">
@@ -6404,7 +6459,7 @@
         </p:nvSpPr>
         <p:spPr>
           <a:xfrm>
-            <a:off x="326771" y="1642561"/>
+            <a:off x="326771" y="1882829"/>
             <a:ext cx="33841695" cy="1200329"/>
           </a:xfrm>
           <a:prstGeom prst="rect">
@@ -6478,8 +6533,8 @@
         </p:nvSpPr>
         <p:spPr>
           <a:xfrm>
-            <a:off x="22133251" y="18287934"/>
-            <a:ext cx="10666898" cy="740865"/>
+            <a:off x="22133251" y="18309460"/>
+            <a:ext cx="10666898" cy="772282"/>
           </a:xfrm>
           <a:prstGeom prst="roundRect">
             <a:avLst>
@@ -6541,207 +6596,6 @@
           </a:p>
         </p:txBody>
       </p:sp>
-      <p:grpSp>
-        <p:nvGrpSpPr>
-          <p:cNvPr id="28" name="Group 27"/>
-          <p:cNvGrpSpPr/>
-          <p:nvPr/>
-        </p:nvGrpSpPr>
-        <p:grpSpPr>
-          <a:xfrm>
-            <a:off x="-15027727" y="17894302"/>
-            <a:ext cx="11053245" cy="9420861"/>
-            <a:chOff x="140328" y="2081858"/>
-            <a:chExt cx="14737660" cy="7065646"/>
-          </a:xfrm>
-        </p:grpSpPr>
-        <p:sp>
-          <p:nvSpPr>
-            <p:cNvPr id="7" name="Rounded Rectangle 6"/>
-            <p:cNvSpPr/>
-            <p:nvPr/>
-          </p:nvSpPr>
-          <p:spPr>
-            <a:xfrm>
-              <a:off x="141113" y="2118695"/>
-              <a:ext cx="14736875" cy="7028809"/>
-            </a:xfrm>
-            <a:prstGeom prst="roundRect">
-              <a:avLst>
-                <a:gd name="adj" fmla="val 5112"/>
-              </a:avLst>
-            </a:prstGeom>
-            <a:solidFill>
-              <a:schemeClr val="accent3">
-                <a:lumMod val="40000"/>
-                <a:lumOff val="60000"/>
-              </a:schemeClr>
-            </a:solidFill>
-            <a:ln>
-              <a:solidFill>
-                <a:srgbClr val="008000"/>
-              </a:solidFill>
-            </a:ln>
-          </p:spPr>
-          <p:style>
-            <a:lnRef idx="1">
-              <a:schemeClr val="accent1"/>
-            </a:lnRef>
-            <a:fillRef idx="3">
-              <a:schemeClr val="accent1"/>
-            </a:fillRef>
-            <a:effectRef idx="2">
-              <a:schemeClr val="accent1"/>
-            </a:effectRef>
-            <a:fontRef idx="minor">
-              <a:schemeClr val="lt1"/>
-            </a:fontRef>
-          </p:style>
-          <p:txBody>
-            <a:bodyPr rtlCol="0" anchor="ctr"/>
-            <a:lstStyle/>
-            <a:p>
-              <a:pPr algn="ctr"/>
-              <a:endParaRPr lang="en-US"/>
-            </a:p>
-          </p:txBody>
-        </p:sp>
-        <p:sp>
-          <p:nvSpPr>
-            <p:cNvPr id="14" name="Rounded Rectangle 13"/>
-            <p:cNvSpPr/>
-            <p:nvPr/>
-          </p:nvSpPr>
-          <p:spPr>
-            <a:xfrm>
-              <a:off x="140328" y="2081858"/>
-              <a:ext cx="14736875" cy="908362"/>
-            </a:xfrm>
-            <a:prstGeom prst="roundRect">
-              <a:avLst>
-                <a:gd name="adj" fmla="val 50000"/>
-              </a:avLst>
-            </a:prstGeom>
-          </p:spPr>
-          <p:style>
-            <a:lnRef idx="0">
-              <a:schemeClr val="accent3"/>
-            </a:lnRef>
-            <a:fillRef idx="3">
-              <a:schemeClr val="accent3"/>
-            </a:fillRef>
-            <a:effectRef idx="3">
-              <a:schemeClr val="accent3"/>
-            </a:effectRef>
-            <a:fontRef idx="minor">
-              <a:schemeClr val="lt1"/>
-            </a:fontRef>
-          </p:style>
-          <p:txBody>
-            <a:bodyPr rtlCol="0" anchor="ctr"/>
-            <a:lstStyle/>
-            <a:p>
-              <a:pPr algn="ctr"/>
-              <a:endParaRPr lang="en-US"/>
-            </a:p>
-          </p:txBody>
-        </p:sp>
-        <p:sp>
-          <p:nvSpPr>
-            <p:cNvPr id="3" name="TextBox 2"/>
-            <p:cNvSpPr txBox="1"/>
-            <p:nvPr/>
-          </p:nvSpPr>
-          <p:spPr>
-            <a:xfrm>
-              <a:off x="1370071" y="2156563"/>
-              <a:ext cx="12572091" cy="530915"/>
-            </a:xfrm>
-            <a:prstGeom prst="rect">
-              <a:avLst/>
-            </a:prstGeom>
-            <a:noFill/>
-          </p:spPr>
-          <p:txBody>
-            <a:bodyPr wrap="square" rtlCol="0">
-              <a:spAutoFit/>
-            </a:bodyPr>
-            <a:lstStyle/>
-            <a:p>
-              <a:pPr algn="ctr"/>
-              <a:r>
-                <a:rPr lang="en-US" sz="4000" b="1" dirty="0" smtClean="0"/>
-                <a:t>Abstract</a:t>
-              </a:r>
-              <a:endParaRPr lang="en-US" sz="4000" b="1" dirty="0"/>
-            </a:p>
-          </p:txBody>
-        </p:sp>
-        <p:sp>
-          <p:nvSpPr>
-            <p:cNvPr id="6" name="TextBox 5"/>
-            <p:cNvSpPr txBox="1"/>
-            <p:nvPr/>
-          </p:nvSpPr>
-          <p:spPr>
-            <a:xfrm>
-              <a:off x="300364" y="3026334"/>
-              <a:ext cx="14307459" cy="5609227"/>
-            </a:xfrm>
-            <a:prstGeom prst="rect">
-              <a:avLst/>
-            </a:prstGeom>
-            <a:noFill/>
-          </p:spPr>
-          <p:txBody>
-            <a:bodyPr wrap="square" rtlCol="0">
-              <a:spAutoFit/>
-            </a:bodyPr>
-            <a:lstStyle/>
-            <a:p>
-              <a:pPr algn="just"/>
-              <a:r>
-                <a:rPr lang="en-US" sz="2400" dirty="0"/>
-                <a:t>A gene regulatory network (GRN) consists of genes, transcription factors, and the regulatory connections between them that govern the level of expression of mRNA and proteins from those genes. The dynamics of a GRN is how gene expression in the network changes over time. Over a period of several years, our group has developed a complex MATLAB software package, called </a:t>
-              </a:r>
-              <a:r>
-                <a:rPr lang="en-US" sz="2400" dirty="0" err="1"/>
-                <a:t>GRNmap</a:t>
-              </a:r>
-              <a:r>
-                <a:rPr lang="en-US" sz="2400" dirty="0"/>
-                <a:t>, that uses ordinary differential equations to model the dynamics of medium-scale GRNs from budding yeast, Saccharomyces </a:t>
-              </a:r>
-              <a:r>
-                <a:rPr lang="en-US" sz="2400" dirty="0" err="1"/>
-                <a:t>cerevisiae</a:t>
-              </a:r>
-              <a:r>
-                <a:rPr lang="en-US" sz="2400" dirty="0"/>
-                <a:t>. The program estimates production rates, expression thresholds, and regulatory weights for each transcription factor in the network based on DNA microarray data, and then performs a forward simulation of the dynamics of the network. The large number of developers and time span of development led to a code base that was difficult to revise and adjust. We therefore refactored the script-based software with global variables into a function-based package that uses an object to carry relevant information from function to function. This modular approach allows for cleaner, less ambiguous code and increased maintainability. We then used the MATLAB compiler to create an executable file that can be run on any Windows machine without the need of a MATLAB license, increasing the accessibility of our program. The </a:t>
-              </a:r>
-              <a:r>
-                <a:rPr lang="en-US" sz="2400" dirty="0" err="1"/>
-                <a:t>GRNmap</a:t>
-              </a:r>
-              <a:r>
-                <a:rPr lang="en-US" sz="2400" dirty="0"/>
-                <a:t> code and executable is available from </a:t>
-              </a:r>
-              <a:r>
-                <a:rPr lang="en-US" sz="2400" dirty="0">
-                  <a:hlinkClick r:id="rId10"/>
-                </a:rPr>
-                <a:t>http://kdahlquist.github.io/GRNmap/</a:t>
-              </a:r>
-              <a:r>
-                <a:rPr lang="en-US" sz="2400" dirty="0"/>
-                <a:t> under an open source license. We have now adopted a test-driven development framework that will speed debugging and ensure that future modifications to the code preserve correct functionality.</a:t>
-              </a:r>
-            </a:p>
-          </p:txBody>
-        </p:sp>
-      </p:grpSp>
       <p:grpSp>
         <p:nvGrpSpPr>
           <p:cNvPr id="15" name="Group 14"/>
@@ -6891,7 +6745,7 @@
         </p:nvSpPr>
         <p:spPr>
           <a:xfrm>
-            <a:off x="22524567" y="22360850"/>
+            <a:off x="22524567" y="22704493"/>
             <a:ext cx="9687878" cy="3160295"/>
           </a:xfrm>
           <a:prstGeom prst="rect">
@@ -6933,14 +6787,14 @@
       </p:sp>
       <p:pic>
         <p:nvPicPr>
-          <p:cNvPr id="17" name="Picture 16" descr="Updated GRNmap State Diagram.pdf"/>
+          <p:cNvPr id="17" name="Picture 16"/>
           <p:cNvPicPr>
             <a:picLocks noChangeAspect="1"/>
           </p:cNvPicPr>
           <p:nvPr/>
         </p:nvPicPr>
         <p:blipFill>
-          <a:blip r:embed="rId11">
+          <a:blip r:embed="rId10">
             <a:extLst>
               <a:ext uri="{28A0092B-C50C-407E-A947-70E740481C1C}">
                 <a14:useLocalDpi xmlns:a14="http://schemas.microsoft.com/office/drawing/2010/main" val="0"/>
@@ -6954,7 +6808,7 @@
         <p:spPr>
           <a:xfrm>
             <a:off x="-115624" y="4869251"/>
-            <a:ext cx="33088823" cy="12598241"/>
+            <a:ext cx="33088822" cy="12598241"/>
           </a:xfrm>
           <a:prstGeom prst="rect">
             <a:avLst/>
@@ -6969,8 +6823,8 @@
         </p:nvSpPr>
         <p:spPr>
           <a:xfrm>
-            <a:off x="22524567" y="19256264"/>
-            <a:ext cx="10011074" cy="2677656"/>
+            <a:off x="22225747" y="19256264"/>
+            <a:ext cx="10011074" cy="3046988"/>
           </a:xfrm>
           <a:prstGeom prst="rect">
             <a:avLst/>
@@ -6983,13 +6837,46 @@
           </a:bodyPr>
           <a:lstStyle/>
           <a:p>
+            <a:pPr marL="342900" indent="-342900">
+              <a:buFont typeface="Arial"/>
+              <a:buChar char="•"/>
+            </a:pPr>
             <a:r>
               <a:rPr lang="en-US" sz="2400" dirty="0"/>
-              <a:t>In order to efficiently and effectively maintain the MATLAB package, a unit testing framework is created. Unit testing, a method for checking whether individual units of a software program function as intended, ensures that every change we make to the code does not affect its functionality. </a:t>
+              <a:t>In order to maintain the MATLAB package efficiently and </a:t>
             </a:r>
             <a:r>
               <a:rPr lang="en-US" sz="2400" dirty="0" smtClean="0"/>
-              <a:t>Unit testing allows </a:t>
+              <a:t>effectively</a:t>
+            </a:r>
+            <a:r>
+              <a:rPr lang="en-US" sz="2400" dirty="0" smtClean="0"/>
+              <a:t>, </a:t>
+            </a:r>
+            <a:r>
+              <a:rPr lang="en-US" sz="2400" dirty="0"/>
+              <a:t>a unit testing framework is created. Unit testing, a method for checking whether individual units of a software program function as intended, ensures that every change we make to the code does not affect its functionality</a:t>
+            </a:r>
+            <a:r>
+              <a:rPr lang="en-US" sz="2400" dirty="0" smtClean="0"/>
+              <a:t>.</a:t>
+            </a:r>
+          </a:p>
+          <a:p>
+            <a:endParaRPr lang="en-US" sz="2400" dirty="0"/>
+          </a:p>
+          <a:p>
+            <a:pPr marL="342900" indent="-342900">
+              <a:buFont typeface="Arial"/>
+              <a:buChar char="•"/>
+            </a:pPr>
+            <a:r>
+              <a:rPr lang="en-US" sz="2400" dirty="0" smtClean="0"/>
+              <a:t>Unit </a:t>
+            </a:r>
+            <a:r>
+              <a:rPr lang="en-US" sz="2400" dirty="0" smtClean="0"/>
+              <a:t>testing allows </a:t>
             </a:r>
             <a:r>
               <a:rPr lang="en-US" sz="2400" dirty="0"/>
@@ -7010,7 +6897,7 @@
         </p:nvSpPr>
         <p:spPr>
           <a:xfrm>
-            <a:off x="22524567" y="22375789"/>
+            <a:off x="22524567" y="22704491"/>
             <a:ext cx="9687878" cy="3139321"/>
           </a:xfrm>
           <a:prstGeom prst="rect">
@@ -7223,8 +7110,8 @@
         </p:nvSpPr>
         <p:spPr>
           <a:xfrm>
-            <a:off x="22493965" y="25685172"/>
-            <a:ext cx="10252444" cy="461665"/>
+            <a:off x="22152258" y="25894346"/>
+            <a:ext cx="10594151" cy="461665"/>
           </a:xfrm>
           <a:prstGeom prst="rect">
             <a:avLst/>
@@ -7237,6 +7124,7 @@
           </a:bodyPr>
           <a:lstStyle/>
           <a:p>
+            <a:pPr algn="ctr"/>
             <a:r>
               <a:rPr lang="en-US" sz="2400" i="1" dirty="0">
                 <a:latin typeface="Times New Roman"/>
@@ -7332,7 +7220,7 @@
           <p:nvPr/>
         </p:nvPicPr>
         <p:blipFill>
-          <a:blip r:embed="rId12">
+          <a:blip r:embed="rId11">
             <a:extLst>
               <a:ext uri="{28A0092B-C50C-407E-A947-70E740481C1C}">
                 <a14:useLocalDpi xmlns:a14="http://schemas.microsoft.com/office/drawing/2010/main" val="0"/>
@@ -7386,20 +7274,20 @@
           <p:nvPr/>
         </p:nvPicPr>
         <p:blipFill rotWithShape="1">
-          <a:blip r:embed="rId13">
+          <a:blip r:embed="rId12">
             <a:extLst>
               <a:ext uri="{28A0092B-C50C-407E-A947-70E740481C1C}">
                 <a14:useLocalDpi xmlns:a14="http://schemas.microsoft.com/office/drawing/2010/main" val="0"/>
               </a:ext>
             </a:extLst>
           </a:blip>
-          <a:srcRect t="25484" r="44749" b="27878"/>
+          <a:srcRect l="807" t="25484" r="44749" b="27878"/>
           <a:stretch/>
         </p:blipFill>
         <p:spPr>
           <a:xfrm>
-            <a:off x="13679943" y="24620555"/>
-            <a:ext cx="6126018" cy="3113019"/>
+            <a:off x="13117976" y="24587134"/>
+            <a:ext cx="7149903" cy="3687133"/>
           </a:xfrm>
           <a:prstGeom prst="rect">
             <a:avLst/>
@@ -7409,6 +7297,36 @@
       <p:pic>
         <p:nvPicPr>
           <p:cNvPr id="73" name="Picture 72" descr="Choose Excel Sheet.JPG"/>
+          <p:cNvPicPr>
+            <a:picLocks noChangeAspect="1"/>
+          </p:cNvPicPr>
+          <p:nvPr/>
+        </p:nvPicPr>
+        <p:blipFill>
+          <a:blip r:embed="rId13">
+            <a:extLst>
+              <a:ext uri="{28A0092B-C50C-407E-A947-70E740481C1C}">
+                <a14:useLocalDpi xmlns:a14="http://schemas.microsoft.com/office/drawing/2010/main" val="0"/>
+              </a:ext>
+            </a:extLst>
+          </a:blip>
+          <a:stretch>
+            <a:fillRect/>
+          </a:stretch>
+        </p:blipFill>
+        <p:spPr>
+          <a:xfrm>
+            <a:off x="13049467" y="29061614"/>
+            <a:ext cx="7145285" cy="4022476"/>
+          </a:xfrm>
+          <a:prstGeom prst="rect">
+            <a:avLst/>
+          </a:prstGeom>
+        </p:spPr>
+      </p:pic>
+      <p:pic>
+        <p:nvPicPr>
+          <p:cNvPr id="74" name="Picture 73" descr="figure_1.jpg"/>
           <p:cNvPicPr>
             <a:picLocks noChangeAspect="1"/>
           </p:cNvPicPr>
@@ -7428,37 +7346,7 @@
         </p:blipFill>
         <p:spPr>
           <a:xfrm>
-            <a:off x="13049467" y="28604414"/>
-            <a:ext cx="7145285" cy="4022476"/>
-          </a:xfrm>
-          <a:prstGeom prst="rect">
-            <a:avLst/>
-          </a:prstGeom>
-        </p:spPr>
-      </p:pic>
-      <p:pic>
-        <p:nvPicPr>
-          <p:cNvPr id="74" name="Picture 73" descr="figure_1.jpg"/>
-          <p:cNvPicPr>
-            <a:picLocks noChangeAspect="1"/>
-          </p:cNvPicPr>
-          <p:nvPr/>
-        </p:nvPicPr>
-        <p:blipFill>
-          <a:blip r:embed="rId15">
-            <a:extLst>
-              <a:ext uri="{28A0092B-C50C-407E-A947-70E740481C1C}">
-                <a14:useLocalDpi xmlns:a14="http://schemas.microsoft.com/office/drawing/2010/main" val="0"/>
-              </a:ext>
-            </a:extLst>
-          </a:blip>
-          <a:stretch>
-            <a:fillRect/>
-          </a:stretch>
-        </p:blipFill>
-        <p:spPr>
-          <a:xfrm>
-            <a:off x="13541941" y="35654522"/>
+            <a:off x="13541941" y="36060922"/>
             <a:ext cx="6504302" cy="4878227"/>
           </a:xfrm>
           <a:prstGeom prst="rect">
